--- a/Final_Project_intro.pptx
+++ b/Final_Project_intro.pptx
@@ -12,6 +12,7 @@
     <p:sldId id="260" r:id="rId6"/>
     <p:sldId id="261" r:id="rId7"/>
     <p:sldId id="266" r:id="rId8"/>
+    <p:sldId id="267" r:id="rId9"/>
   </p:sldIdLst>
   <p:sldSz cx="9144000" cy="5143500" type="screen16x9"/>
   <p:notesSz cx="9144000" cy="5143500"/>
@@ -534,7 +535,7 @@
           <a:p>
             <a:fld id="{1D8BD707-D9CF-40AE-B4C6-C98DA3205C09}" type="datetimeFigureOut">
               <a:rPr lang="en-US"/>
-              <a:t>12/20/2020</a:t>
+              <a:t>12/25/2020</a:t>
             </a:fld>
             <a:endParaRPr lang="en-US"/>
           </a:p>
@@ -711,7 +712,7 @@
           <a:p>
             <a:fld id="{1D8BD707-D9CF-40AE-B4C6-C98DA3205C09}" type="datetimeFigureOut">
               <a:rPr lang="en-US"/>
-              <a:t>12/20/2020</a:t>
+              <a:t>12/25/2020</a:t>
             </a:fld>
             <a:endParaRPr lang="en-US"/>
           </a:p>
@@ -925,7 +926,7 @@
           <a:p>
             <a:fld id="{1D8BD707-D9CF-40AE-B4C6-C98DA3205C09}" type="datetimeFigureOut">
               <a:rPr lang="en-US"/>
-              <a:t>12/20/2020</a:t>
+              <a:t>12/25/2020</a:t>
             </a:fld>
             <a:endParaRPr lang="en-US"/>
           </a:p>
@@ -1073,7 +1074,7 @@
           <a:p>
             <a:fld id="{1D8BD707-D9CF-40AE-B4C6-C98DA3205C09}" type="datetimeFigureOut">
               <a:rPr lang="en-US"/>
-              <a:t>12/20/2020</a:t>
+              <a:t>12/25/2020</a:t>
             </a:fld>
             <a:endParaRPr lang="en-US"/>
           </a:p>
@@ -1192,7 +1193,7 @@
           <a:p>
             <a:fld id="{1D8BD707-D9CF-40AE-B4C6-C98DA3205C09}" type="datetimeFigureOut">
               <a:rPr lang="en-US"/>
-              <a:t>12/20/2020</a:t>
+              <a:t>12/25/2020</a:t>
             </a:fld>
             <a:endParaRPr lang="en-US"/>
           </a:p>
@@ -1467,7 +1468,7 @@
           <a:p>
             <a:fld id="{1D8BD707-D9CF-40AE-B4C6-C98DA3205C09}" type="datetimeFigureOut">
               <a:rPr lang="en-US"/>
-              <a:t>12/20/2020</a:t>
+              <a:t>12/25/2020</a:t>
             </a:fld>
             <a:endParaRPr lang="en-US"/>
           </a:p>
@@ -2250,7 +2251,7 @@
         <p:spPr>
           <a:xfrm>
             <a:off x="475248" y="1330208"/>
-            <a:ext cx="6229350" cy="2814320"/>
+            <a:ext cx="6229350" cy="1518364"/>
           </a:xfrm>
           <a:prstGeom prst="rect">
             <a:avLst/>
@@ -2316,7 +2317,7 @@
               </a:rPr>
               <a:t>AI</a:t>
             </a:r>
-            <a:endParaRPr sz="1800">
+            <a:endParaRPr sz="1800" dirty="0">
               <a:latin typeface="Noto Sans"/>
               <a:cs typeface="Noto Sans"/>
             </a:endParaRPr>
@@ -2335,7 +2336,7 @@
               <a:buFont typeface="Arial"/>
               <a:buChar char="●"/>
             </a:pPr>
-            <a:endParaRPr sz="2000">
+            <a:endParaRPr sz="2000" dirty="0">
               <a:latin typeface="Noto Sans"/>
               <a:cs typeface="Noto Sans"/>
             </a:endParaRPr>
@@ -2362,7 +2363,7 @@
               </a:rPr>
               <a:t>Basic</a:t>
             </a:r>
-            <a:endParaRPr sz="1800">
+            <a:endParaRPr sz="1800" dirty="0">
               <a:latin typeface="Noto Sans"/>
               <a:cs typeface="Noto Sans"/>
             </a:endParaRPr>
@@ -2412,7 +2413,7 @@
               </a:rPr>
               <a:t>(Guess)</a:t>
             </a:r>
-            <a:endParaRPr sz="1800">
+            <a:endParaRPr sz="1800" dirty="0">
               <a:latin typeface="Noto Sans"/>
               <a:cs typeface="Noto Sans"/>
             </a:endParaRPr>
@@ -2523,7 +2524,7 @@
               <a:t> </a:t>
             </a:r>
             <a:r>
-              <a:rPr sz="1800" spc="-15" dirty="0">
+              <a:rPr sz="1800" spc="-15" dirty="0" smtClean="0">
                 <a:solidFill>
                   <a:srgbClr val="695D46"/>
                 </a:solidFill>
@@ -2532,188 +2533,7 @@
               </a:rPr>
               <a:t>is</a:t>
             </a:r>
-            <a:endParaRPr sz="1800">
-              <a:latin typeface="Noto Sans"/>
-              <a:cs typeface="Noto Sans"/>
-            </a:endParaRPr>
-          </a:p>
-          <a:p>
-            <a:pPr>
-              <a:lnSpc>
-                <a:spcPct val="100000"/>
-              </a:lnSpc>
-              <a:spcBef>
-                <a:spcPts val="65"/>
-              </a:spcBef>
-            </a:pPr>
-            <a:endParaRPr sz="2000">
-              <a:latin typeface="Noto Sans"/>
-              <a:cs typeface="Noto Sans"/>
-            </a:endParaRPr>
-          </a:p>
-          <a:p>
-            <a:pPr marL="379095" indent="-367030">
-              <a:lnSpc>
-                <a:spcPct val="100000"/>
-              </a:lnSpc>
-              <a:buFont typeface="Arial"/>
-              <a:buChar char="●"/>
-              <a:tabLst>
-                <a:tab pos="379095" algn="l"/>
-                <a:tab pos="379730" algn="l"/>
-              </a:tabLst>
-            </a:pPr>
-            <a:r>
-              <a:rPr sz="1800" spc="-15" dirty="0">
-                <a:solidFill>
-                  <a:srgbClr val="695D46"/>
-                </a:solidFill>
-                <a:latin typeface="Noto Sans"/>
-                <a:cs typeface="Noto Sans"/>
-              </a:rPr>
-              <a:t>Advanced</a:t>
-            </a:r>
-            <a:endParaRPr sz="1800">
-              <a:latin typeface="Noto Sans"/>
-              <a:cs typeface="Noto Sans"/>
-            </a:endParaRPr>
-          </a:p>
-          <a:p>
-            <a:pPr marL="836294" lvl="1" indent="-367665">
-              <a:lnSpc>
-                <a:spcPct val="100000"/>
-              </a:lnSpc>
-              <a:spcBef>
-                <a:spcPts val="315"/>
-              </a:spcBef>
-              <a:buFont typeface="Arial"/>
-              <a:buChar char="○"/>
-              <a:tabLst>
-                <a:tab pos="836294" algn="l"/>
-                <a:tab pos="836930" algn="l"/>
-              </a:tabLst>
-            </a:pPr>
-            <a:r>
-              <a:rPr sz="1800" b="1" spc="-5" dirty="0">
-                <a:solidFill>
-                  <a:srgbClr val="695D46"/>
-                </a:solidFill>
-                <a:latin typeface="Noto Sans"/>
-                <a:cs typeface="Noto Sans"/>
-              </a:rPr>
-              <a:t>Generator</a:t>
-            </a:r>
-            <a:r>
-              <a:rPr sz="1800" b="1" spc="-10" dirty="0">
-                <a:solidFill>
-                  <a:srgbClr val="695D46"/>
-                </a:solidFill>
-                <a:latin typeface="Noto Sans"/>
-                <a:cs typeface="Noto Sans"/>
-              </a:rPr>
-              <a:t> </a:t>
-            </a:r>
-            <a:r>
-              <a:rPr sz="1800" b="1" spc="-5" dirty="0">
-                <a:solidFill>
-                  <a:srgbClr val="695D46"/>
-                </a:solidFill>
-                <a:latin typeface="Noto Sans"/>
-                <a:cs typeface="Noto Sans"/>
-              </a:rPr>
-              <a:t>(Draw)</a:t>
-            </a:r>
-            <a:endParaRPr sz="1800">
-              <a:latin typeface="Noto Sans"/>
-              <a:cs typeface="Noto Sans"/>
-            </a:endParaRPr>
-          </a:p>
-          <a:p>
-            <a:pPr marL="836294" indent="-367665">
-              <a:lnSpc>
-                <a:spcPct val="100000"/>
-              </a:lnSpc>
-              <a:spcBef>
-                <a:spcPts val="315"/>
-              </a:spcBef>
-              <a:buFont typeface="Arial"/>
-              <a:buChar char="○"/>
-              <a:tabLst>
-                <a:tab pos="836294" algn="l"/>
-                <a:tab pos="836930" algn="l"/>
-              </a:tabLst>
-            </a:pPr>
-            <a:r>
-              <a:rPr sz="1800" spc="-15" dirty="0">
-                <a:solidFill>
-                  <a:srgbClr val="695D46"/>
-                </a:solidFill>
-                <a:latin typeface="Noto Sans"/>
-                <a:cs typeface="Noto Sans"/>
-              </a:rPr>
-              <a:t>Given the </a:t>
-            </a:r>
-            <a:r>
-              <a:rPr sz="1800" spc="-20" dirty="0">
-                <a:solidFill>
-                  <a:srgbClr val="695D46"/>
-                </a:solidFill>
-                <a:latin typeface="Noto Sans"/>
-                <a:cs typeface="Noto Sans"/>
-              </a:rPr>
-              <a:t>topic, </a:t>
-            </a:r>
-            <a:r>
-              <a:rPr sz="1800" spc="-15" dirty="0">
-                <a:solidFill>
-                  <a:srgbClr val="695D46"/>
-                </a:solidFill>
-                <a:latin typeface="Noto Sans"/>
-                <a:cs typeface="Noto Sans"/>
-              </a:rPr>
-              <a:t>automatically </a:t>
-            </a:r>
-            <a:r>
-              <a:rPr sz="1800" spc="-30" dirty="0">
-                <a:solidFill>
-                  <a:srgbClr val="695D46"/>
-                </a:solidFill>
-                <a:latin typeface="Noto Sans"/>
-                <a:cs typeface="Noto Sans"/>
-              </a:rPr>
-              <a:t>generate </a:t>
-            </a:r>
-            <a:r>
-              <a:rPr sz="1800" spc="-15" dirty="0">
-                <a:solidFill>
-                  <a:srgbClr val="695D46"/>
-                </a:solidFill>
-                <a:latin typeface="Noto Sans"/>
-                <a:cs typeface="Noto Sans"/>
-              </a:rPr>
-              <a:t>ten</a:t>
-            </a:r>
-            <a:r>
-              <a:rPr sz="1800" spc="85" dirty="0">
-                <a:solidFill>
-                  <a:srgbClr val="695D46"/>
-                </a:solidFill>
-                <a:latin typeface="Noto Sans"/>
-                <a:cs typeface="Noto Sans"/>
-              </a:rPr>
-              <a:t> </a:t>
-            </a:r>
-            <a:r>
-              <a:rPr sz="1800" spc="-35" dirty="0">
-                <a:solidFill>
-                  <a:srgbClr val="695D46"/>
-                </a:solidFill>
-                <a:latin typeface="Noto Sans"/>
-                <a:cs typeface="Noto Sans"/>
-              </a:rPr>
-              <a:t>images</a:t>
-            </a:r>
-            <a:endParaRPr sz="1800">
+            <a:endParaRPr sz="1800" dirty="0">
               <a:latin typeface="Noto Sans"/>
               <a:cs typeface="Noto Sans"/>
             </a:endParaRPr>
@@ -3204,7 +3024,7 @@
         <p:spPr>
           <a:xfrm>
             <a:off x="475248" y="788348"/>
-            <a:ext cx="6010275" cy="1243288"/>
+            <a:ext cx="6010275" cy="2046072"/>
           </a:xfrm>
           <a:prstGeom prst="rect">
             <a:avLst/>
@@ -3231,14 +3051,14 @@
               </a:tabLst>
             </a:pPr>
             <a:r>
-              <a:rPr lang="en-US" altLang="zh-TW" b="1" spc="-5" dirty="0">
-                <a:solidFill>
-                  <a:srgbClr val="695D46"/>
-                </a:solidFill>
-                <a:latin typeface="Noto Sans"/>
-                <a:cs typeface="Noto Sans"/>
-              </a:rPr>
-              <a:t>6</a:t>
+              <a:rPr lang="en-US" b="1" spc="-5" dirty="0">
+                <a:solidFill>
+                  <a:srgbClr val="695D46"/>
+                </a:solidFill>
+                <a:latin typeface="Noto Sans"/>
+                <a:cs typeface="Noto Sans"/>
+              </a:rPr>
+              <a:t>4</a:t>
             </a:r>
             <a:r>
               <a:rPr sz="1800" b="1" spc="-5" dirty="0" smtClean="0">
@@ -3331,7 +3151,7 @@
               <a:t> </a:t>
             </a:r>
             <a:r>
-              <a:rPr sz="1800" spc="-15" dirty="0">
+              <a:rPr sz="1800" spc="-15" dirty="0" smtClean="0">
                 <a:solidFill>
                   <a:srgbClr val="695D46"/>
                 </a:solidFill>
@@ -3340,26 +3160,30 @@
               </a:rPr>
               <a:t>Questions</a:t>
             </a:r>
-            <a:endParaRPr sz="1800" dirty="0">
+            <a:endParaRPr lang="en-US" sz="1800" spc="-15" dirty="0" smtClean="0">
+              <a:solidFill>
+                <a:srgbClr val="695D46"/>
+              </a:solidFill>
               <a:latin typeface="Noto Sans"/>
               <a:cs typeface="Noto Sans"/>
             </a:endParaRPr>
           </a:p>
           <a:p>
-            <a:pPr lvl="1">
+            <a:pPr marL="836294" lvl="1" indent="-367665">
               <a:lnSpc>
                 <a:spcPct val="100000"/>
               </a:lnSpc>
               <a:spcBef>
-                <a:spcPts val="65"/>
+                <a:spcPts val="315"/>
               </a:spcBef>
-              <a:buClr>
-                <a:srgbClr val="695D46"/>
-              </a:buClr>
               <a:buFont typeface="Arial"/>
               <a:buChar char="○"/>
-            </a:pPr>
-            <a:endParaRPr sz="2000" dirty="0">
+              <a:tabLst>
+                <a:tab pos="836294" algn="l"/>
+                <a:tab pos="836930" algn="l"/>
+              </a:tabLst>
+            </a:pPr>
+            <a:endParaRPr sz="1800" dirty="0">
               <a:latin typeface="Noto Sans"/>
               <a:cs typeface="Noto Sans"/>
             </a:endParaRPr>
@@ -3377,6 +3201,16 @@
               </a:tabLst>
             </a:pPr>
             <a:r>
+              <a:rPr lang="en-US" altLang="zh-TW" b="1" spc="-5" dirty="0" smtClean="0">
+                <a:solidFill>
+                  <a:srgbClr val="695D46"/>
+                </a:solidFill>
+                <a:latin typeface="Noto Sans"/>
+                <a:cs typeface="Noto Sans"/>
+              </a:rPr>
+              <a:t>30</a:t>
+            </a:r>
+            <a:r>
               <a:rPr lang="en-US" altLang="zh-TW" b="1" spc="-5" dirty="0">
                 <a:solidFill>
                   <a:srgbClr val="695D46"/>
@@ -3384,7 +3218,104 @@
                 <a:latin typeface="Noto Sans"/>
                 <a:cs typeface="Noto Sans"/>
               </a:rPr>
-              <a:t>4</a:t>
+              <a:t>%</a:t>
+            </a:r>
+            <a:r>
+              <a:rPr lang="en-US" altLang="zh-TW" b="1" spc="-10" dirty="0">
+                <a:solidFill>
+                  <a:srgbClr val="695D46"/>
+                </a:solidFill>
+                <a:latin typeface="Noto Sans"/>
+                <a:cs typeface="Noto Sans"/>
+              </a:rPr>
+              <a:t> </a:t>
+            </a:r>
+            <a:r>
+              <a:rPr lang="en-US" altLang="zh-TW" b="1" spc="-5" dirty="0">
+                <a:solidFill>
+                  <a:srgbClr val="695D46"/>
+                </a:solidFill>
+                <a:latin typeface="Noto Sans"/>
+                <a:cs typeface="Noto Sans"/>
+              </a:rPr>
+              <a:t>Presentation</a:t>
+            </a:r>
+            <a:endParaRPr lang="en-US" altLang="zh-TW" dirty="0">
+              <a:latin typeface="Noto Sans"/>
+              <a:cs typeface="Noto Sans"/>
+            </a:endParaRPr>
+          </a:p>
+          <a:p>
+            <a:pPr marL="836294" indent="-367665">
+              <a:lnSpc>
+                <a:spcPct val="100000"/>
+              </a:lnSpc>
+              <a:spcBef>
+                <a:spcPts val="315"/>
+              </a:spcBef>
+              <a:buFont typeface="Arial"/>
+              <a:buChar char="○"/>
+              <a:tabLst>
+                <a:tab pos="836294" algn="l"/>
+                <a:tab pos="836930" algn="l"/>
+              </a:tabLst>
+            </a:pPr>
+            <a:r>
+              <a:rPr lang="en-US" altLang="zh-TW" b="1" spc="-5" dirty="0">
+                <a:solidFill>
+                  <a:srgbClr val="FF0000"/>
+                </a:solidFill>
+                <a:latin typeface="Noto Sans"/>
+                <a:cs typeface="Noto Sans"/>
+              </a:rPr>
+              <a:t>Presentation</a:t>
+            </a:r>
+            <a:r>
+              <a:rPr lang="en-US" altLang="zh-TW" b="1" spc="-10" dirty="0">
+                <a:solidFill>
+                  <a:srgbClr val="FF0000"/>
+                </a:solidFill>
+                <a:latin typeface="Noto Sans"/>
+                <a:cs typeface="Noto Sans"/>
+              </a:rPr>
+              <a:t> </a:t>
+            </a:r>
+            <a:r>
+              <a:rPr lang="en-US" altLang="zh-TW" sz="3200" b="1" spc="5" dirty="0" smtClean="0">
+                <a:solidFill>
+                  <a:srgbClr val="FF0000"/>
+                </a:solidFill>
+                <a:latin typeface="Noto Sans"/>
+                <a:cs typeface="Noto Sans"/>
+              </a:rPr>
+              <a:t>1/16</a:t>
+            </a:r>
+            <a:endParaRPr sz="2000" dirty="0">
+              <a:latin typeface="Noto Sans"/>
+              <a:cs typeface="Noto Sans"/>
+            </a:endParaRPr>
+          </a:p>
+          <a:p>
+            <a:pPr marL="379095" indent="-367030">
+              <a:lnSpc>
+                <a:spcPct val="100000"/>
+              </a:lnSpc>
+              <a:buFont typeface="Arial"/>
+              <a:buChar char="●"/>
+              <a:tabLst>
+                <a:tab pos="379095" algn="l"/>
+                <a:tab pos="379730" algn="l"/>
+              </a:tabLst>
+            </a:pPr>
+            <a:r>
+              <a:rPr lang="en-US" b="1" spc="-5" dirty="0">
+                <a:solidFill>
+                  <a:srgbClr val="695D46"/>
+                </a:solidFill>
+                <a:latin typeface="Noto Sans"/>
+                <a:cs typeface="Noto Sans"/>
+              </a:rPr>
+              <a:t>3</a:t>
             </a:r>
             <a:r>
               <a:rPr sz="1800" b="1" spc="-5" dirty="0" smtClean="0">
@@ -3394,7 +3325,17 @@
                 <a:latin typeface="Noto Sans"/>
                 <a:cs typeface="Noto Sans"/>
               </a:rPr>
-              <a:t>0%</a:t>
+              <a:t>0</a:t>
+            </a:r>
+            <a:r>
+              <a:rPr sz="1800" b="1" spc="-5" dirty="0" smtClean="0">
+                <a:solidFill>
+                  <a:srgbClr val="695D46"/>
+                </a:solidFill>
+                <a:latin typeface="Noto Sans"/>
+                <a:cs typeface="Noto Sans"/>
+              </a:rPr>
+              <a:t>%</a:t>
             </a:r>
             <a:r>
               <a:rPr sz="1800" b="1" spc="-10" dirty="0" smtClean="0">
@@ -3975,7 +3916,7 @@
         <p:spPr>
           <a:xfrm>
             <a:off x="384724" y="687624"/>
-            <a:ext cx="5102225" cy="4005583"/>
+            <a:ext cx="5102225" cy="3690112"/>
           </a:xfrm>
           <a:prstGeom prst="rect">
             <a:avLst/>
@@ -4262,17 +4203,17 @@
               </a:tabLst>
             </a:pPr>
             <a:r>
-              <a:rPr sz="1800" spc="-15" dirty="0">
-                <a:solidFill>
-                  <a:srgbClr val="695D46"/>
-                </a:solidFill>
-                <a:latin typeface="Noto Sans"/>
-                <a:cs typeface="Noto Sans"/>
-              </a:rPr>
-              <a:t>Test</a:t>
-            </a:r>
-            <a:r>
-              <a:rPr sz="1800" spc="-10" dirty="0">
+              <a:rPr sz="1800" spc="-5" dirty="0" smtClean="0">
+                <a:solidFill>
+                  <a:srgbClr val="695D46"/>
+                </a:solidFill>
+                <a:latin typeface="Noto Sans"/>
+                <a:cs typeface="Noto Sans"/>
+              </a:rPr>
+              <a:t>Demo</a:t>
+            </a:r>
+            <a:r>
+              <a:rPr sz="1800" spc="-10" dirty="0" smtClean="0">
                 <a:solidFill>
                   <a:srgbClr val="695D46"/>
                 </a:solidFill>
@@ -4312,16 +4253,6 @@
               </a:tabLst>
             </a:pPr>
             <a:r>
-              <a:rPr sz="1800" spc="-5" dirty="0">
-                <a:solidFill>
-                  <a:srgbClr val="695D46"/>
-                </a:solidFill>
-                <a:latin typeface="Noto Sans"/>
-                <a:cs typeface="Noto Sans"/>
-              </a:rPr>
-              <a:t>Demo</a:t>
-            </a:r>
-            <a:r>
               <a:rPr sz="1800" spc="-10" dirty="0">
                 <a:solidFill>
                   <a:srgbClr val="695D46"/>
@@ -4329,17 +4260,7 @@
                 <a:latin typeface="Noto Sans"/>
                 <a:cs typeface="Noto Sans"/>
               </a:rPr>
-              <a:t> </a:t>
-            </a:r>
-            <a:r>
-              <a:rPr sz="1800" spc="-15" dirty="0">
-                <a:solidFill>
-                  <a:srgbClr val="695D46"/>
-                </a:solidFill>
-                <a:latin typeface="Noto Sans"/>
-                <a:cs typeface="Noto Sans"/>
-              </a:rPr>
-              <a:t>Result</a:t>
+              <a:t>Discussion</a:t>
             </a:r>
             <a:endParaRPr sz="1800" dirty="0">
               <a:latin typeface="Noto Sans"/>
@@ -4362,14 +4283,14 @@
               </a:tabLst>
             </a:pPr>
             <a:r>
-              <a:rPr sz="1800" spc="-10" dirty="0">
-                <a:solidFill>
-                  <a:srgbClr val="695D46"/>
-                </a:solidFill>
-                <a:latin typeface="Noto Sans"/>
-                <a:cs typeface="Noto Sans"/>
-              </a:rPr>
-              <a:t>Discussion</a:t>
+              <a:rPr sz="1800" spc="-15" dirty="0">
+                <a:solidFill>
+                  <a:srgbClr val="695D46"/>
+                </a:solidFill>
+                <a:latin typeface="Noto Sans"/>
+                <a:cs typeface="Noto Sans"/>
+              </a:rPr>
+              <a:t>Conclusion</a:t>
             </a:r>
             <a:endParaRPr sz="1800" dirty="0">
               <a:latin typeface="Noto Sans"/>
@@ -4377,7 +4298,431 @@
             </a:endParaRPr>
           </a:p>
           <a:p>
-            <a:pPr marL="469900" indent="-367030">
+            <a:pPr marL="12700">
+              <a:lnSpc>
+                <a:spcPct val="100000"/>
+              </a:lnSpc>
+              <a:spcBef>
+                <a:spcPts val="1890"/>
+              </a:spcBef>
+            </a:pPr>
+            <a:r>
+              <a:rPr sz="1800" b="1" spc="-5" dirty="0">
+                <a:solidFill>
+                  <a:srgbClr val="FF0000"/>
+                </a:solidFill>
+                <a:latin typeface="Noto Sans"/>
+                <a:cs typeface="Noto Sans"/>
+              </a:rPr>
+              <a:t>Less than </a:t>
+            </a:r>
+            <a:r>
+              <a:rPr lang="en-US" sz="1800" b="1" spc="-5" dirty="0" smtClean="0">
+                <a:solidFill>
+                  <a:srgbClr val="FF0000"/>
+                </a:solidFill>
+                <a:latin typeface="Noto Sans"/>
+                <a:cs typeface="Noto Sans"/>
+              </a:rPr>
+              <a:t>2</a:t>
+            </a:r>
+            <a:r>
+              <a:rPr sz="1800" b="1" spc="-5" dirty="0" smtClean="0">
+                <a:solidFill>
+                  <a:srgbClr val="FF0000"/>
+                </a:solidFill>
+                <a:latin typeface="Noto Sans"/>
+                <a:cs typeface="Noto Sans"/>
+              </a:rPr>
+              <a:t> </a:t>
+            </a:r>
+            <a:r>
+              <a:rPr sz="1800" b="1" spc="-30" dirty="0">
+                <a:solidFill>
+                  <a:srgbClr val="FF0000"/>
+                </a:solidFill>
+                <a:latin typeface="Noto Sans"/>
+                <a:cs typeface="Noto Sans"/>
+              </a:rPr>
+              <a:t>pages </a:t>
+            </a:r>
+            <a:r>
+              <a:rPr sz="1800" b="1" spc="-5" dirty="0">
+                <a:solidFill>
+                  <a:srgbClr val="FF0000"/>
+                </a:solidFill>
+                <a:latin typeface="Noto Sans"/>
+                <a:cs typeface="Noto Sans"/>
+              </a:rPr>
+              <a:t>to summarize your</a:t>
+            </a:r>
+            <a:r>
+              <a:rPr sz="1800" b="1" spc="-40" dirty="0">
+                <a:solidFill>
+                  <a:srgbClr val="FF0000"/>
+                </a:solidFill>
+                <a:latin typeface="Noto Sans"/>
+                <a:cs typeface="Noto Sans"/>
+              </a:rPr>
+              <a:t> </a:t>
+            </a:r>
+            <a:r>
+              <a:rPr sz="1800" b="1" spc="-5" dirty="0">
+                <a:solidFill>
+                  <a:srgbClr val="FF0000"/>
+                </a:solidFill>
+                <a:latin typeface="Noto Sans"/>
+                <a:cs typeface="Noto Sans"/>
+              </a:rPr>
+              <a:t>project</a:t>
+            </a:r>
+            <a:endParaRPr sz="1800" dirty="0">
+              <a:latin typeface="Noto Sans"/>
+              <a:cs typeface="Noto Sans"/>
+            </a:endParaRPr>
+          </a:p>
+        </p:txBody>
+      </p:sp>
+    </p:spTree>
+  </p:cSld>
+  <p:clrMapOvr>
+    <a:masterClrMapping/>
+  </p:clrMapOvr>
+  <p:timing>
+    <p:tnLst>
+      <p:par>
+        <p:cTn id="1" dur="indefinite" restart="never" nodeType="tmRoot"/>
+      </p:par>
+    </p:tnLst>
+  </p:timing>
+</p:sld>
+</file>
+
+<file path=ppt/slides/slide8.xml><?xml version="1.0" encoding="utf-8"?>
+<p:sld xmlns:a="http://schemas.openxmlformats.org/drawingml/2006/main" xmlns:r="http://schemas.openxmlformats.org/officeDocument/2006/relationships" xmlns:p="http://schemas.openxmlformats.org/presentationml/2006/main">
+  <p:cSld>
+    <p:spTree>
+      <p:nvGrpSpPr>
+        <p:cNvPr id="1" name=""/>
+        <p:cNvGrpSpPr/>
+        <p:nvPr/>
+      </p:nvGrpSpPr>
+      <p:grpSpPr>
+        <a:xfrm>
+          <a:off x="0" y="0"/>
+          <a:ext cx="0" cy="0"/>
+          <a:chOff x="0" y="0"/>
+          <a:chExt cx="0" cy="0"/>
+        </a:xfrm>
+      </p:grpSpPr>
+      <p:sp>
+        <p:nvSpPr>
+          <p:cNvPr id="2" name="object 2"/>
+          <p:cNvSpPr txBox="1">
+            <a:spLocks noGrp="1"/>
+          </p:cNvSpPr>
+          <p:nvPr>
+            <p:ph type="title"/>
+          </p:nvPr>
+        </p:nvSpPr>
+        <p:spPr>
+          <a:xfrm>
+            <a:off x="384724" y="499761"/>
+            <a:ext cx="2815676" cy="443711"/>
+          </a:xfrm>
+          <a:prstGeom prst="rect">
+            <a:avLst/>
+          </a:prstGeom>
+        </p:spPr>
+        <p:txBody>
+          <a:bodyPr vert="horz" wrap="square" lIns="0" tIns="12700" rIns="0" bIns="0" rtlCol="0">
+            <a:spAutoFit/>
+          </a:bodyPr>
+          <a:lstStyle/>
+          <a:p>
+            <a:pPr marL="12700">
+              <a:spcBef>
+                <a:spcPts val="100"/>
+              </a:spcBef>
+            </a:pPr>
+            <a:r>
+              <a:rPr sz="2800" dirty="0"/>
+              <a:t>Presentation</a:t>
+            </a:r>
+          </a:p>
+        </p:txBody>
+      </p:sp>
+      <p:sp>
+        <p:nvSpPr>
+          <p:cNvPr id="3" name="object 3"/>
+          <p:cNvSpPr txBox="1"/>
+          <p:nvPr/>
+        </p:nvSpPr>
+        <p:spPr>
+          <a:xfrm>
+            <a:off x="475248" y="1330208"/>
+            <a:ext cx="6382752" cy="2993127"/>
+          </a:xfrm>
+          <a:prstGeom prst="rect">
+            <a:avLst/>
+          </a:prstGeom>
+        </p:spPr>
+        <p:txBody>
+          <a:bodyPr vert="horz" wrap="square" lIns="0" tIns="12700" rIns="0" bIns="0" rtlCol="0">
+            <a:spAutoFit/>
+          </a:bodyPr>
+          <a:lstStyle/>
+          <a:p>
+            <a:pPr marL="379095" indent="-367030">
+              <a:lnSpc>
+                <a:spcPct val="100000"/>
+              </a:lnSpc>
+              <a:spcBef>
+                <a:spcPts val="100"/>
+              </a:spcBef>
+              <a:buFont typeface="Arial"/>
+              <a:buChar char="●"/>
+              <a:tabLst>
+                <a:tab pos="379095" algn="l"/>
+                <a:tab pos="379730" algn="l"/>
+              </a:tabLst>
+            </a:pPr>
+            <a:r>
+              <a:rPr sz="1800" b="1" spc="-5" dirty="0" smtClean="0">
+                <a:solidFill>
+                  <a:srgbClr val="695D46"/>
+                </a:solidFill>
+                <a:latin typeface="Noto Sans"/>
+                <a:cs typeface="Noto Sans"/>
+              </a:rPr>
+              <a:t>1/</a:t>
+            </a:r>
+            <a:r>
+              <a:rPr lang="en-US" sz="1800" b="1" spc="-5" dirty="0" smtClean="0">
+                <a:solidFill>
+                  <a:srgbClr val="695D46"/>
+                </a:solidFill>
+                <a:latin typeface="Noto Sans"/>
+                <a:cs typeface="Noto Sans"/>
+              </a:rPr>
+              <a:t>1</a:t>
+            </a:r>
+            <a:r>
+              <a:rPr lang="en-US" altLang="zh-TW" sz="1800" b="1" spc="-5" dirty="0" smtClean="0">
+                <a:solidFill>
+                  <a:srgbClr val="695D46"/>
+                </a:solidFill>
+                <a:latin typeface="Noto Sans"/>
+                <a:cs typeface="Noto Sans"/>
+              </a:rPr>
+              <a:t>6</a:t>
+            </a:r>
+            <a:endParaRPr lang="en-US" sz="1800" b="1" spc="-5" dirty="0" smtClean="0">
+              <a:solidFill>
+                <a:srgbClr val="695D46"/>
+              </a:solidFill>
+              <a:latin typeface="Noto Sans"/>
+              <a:cs typeface="Noto Sans"/>
+            </a:endParaRPr>
+          </a:p>
+          <a:p>
+            <a:pPr marL="379095" indent="-367030">
+              <a:lnSpc>
+                <a:spcPct val="100000"/>
+              </a:lnSpc>
+              <a:spcBef>
+                <a:spcPts val="100"/>
+              </a:spcBef>
+              <a:buFont typeface="Arial"/>
+              <a:buChar char="●"/>
+              <a:tabLst>
+                <a:tab pos="379095" algn="l"/>
+                <a:tab pos="379730" algn="l"/>
+              </a:tabLst>
+            </a:pPr>
+            <a:r>
+              <a:rPr lang="en-US" spc="-15" dirty="0" smtClean="0">
+                <a:solidFill>
+                  <a:srgbClr val="695D46"/>
+                </a:solidFill>
+                <a:latin typeface="Noto Sans"/>
+                <a:cs typeface="Noto Sans"/>
+              </a:rPr>
+              <a:t>Each </a:t>
+            </a:r>
+            <a:r>
+              <a:rPr lang="en-US" spc="-15" dirty="0" smtClean="0">
+                <a:solidFill>
+                  <a:srgbClr val="695D46"/>
+                </a:solidFill>
+                <a:latin typeface="Noto Sans"/>
+                <a:cs typeface="Noto Sans"/>
+              </a:rPr>
+              <a:t>team should make a </a:t>
+            </a:r>
+            <a:r>
+              <a:rPr lang="en-US" spc="-15" dirty="0" smtClean="0">
+                <a:solidFill>
+                  <a:srgbClr val="695D46"/>
+                </a:solidFill>
+                <a:latin typeface="Noto Sans"/>
+                <a:cs typeface="Noto Sans"/>
+              </a:rPr>
+              <a:t>presentation </a:t>
+            </a:r>
+            <a:r>
+              <a:rPr lang="en-US" spc="-15" dirty="0" smtClean="0">
+                <a:solidFill>
+                  <a:srgbClr val="695D46"/>
+                </a:solidFill>
+                <a:latin typeface="Noto Sans"/>
+                <a:cs typeface="Noto Sans"/>
+              </a:rPr>
+              <a:t>less than </a:t>
+            </a:r>
+            <a:r>
+              <a:rPr lang="en-US" altLang="zh-TW" spc="-15" dirty="0" smtClean="0">
+                <a:solidFill>
+                  <a:srgbClr val="FF0000"/>
+                </a:solidFill>
+                <a:latin typeface="Noto Sans"/>
+                <a:cs typeface="Noto Sans"/>
+              </a:rPr>
+              <a:t>5</a:t>
+            </a:r>
+            <a:r>
+              <a:rPr lang="en-US" spc="-15" dirty="0" smtClean="0">
+                <a:solidFill>
+                  <a:srgbClr val="FF0000"/>
+                </a:solidFill>
+                <a:latin typeface="Noto Sans"/>
+                <a:cs typeface="Noto Sans"/>
+              </a:rPr>
+              <a:t> </a:t>
+            </a:r>
+            <a:r>
+              <a:rPr lang="en-US" spc="-15" dirty="0" smtClean="0">
+                <a:solidFill>
+                  <a:srgbClr val="FF0000"/>
+                </a:solidFill>
+                <a:latin typeface="Noto Sans"/>
+                <a:cs typeface="Noto Sans"/>
+              </a:rPr>
+              <a:t>minutes</a:t>
+            </a:r>
+            <a:r>
+              <a:rPr lang="en-US" spc="-15" dirty="0" smtClean="0">
+                <a:solidFill>
+                  <a:srgbClr val="695D46"/>
+                </a:solidFill>
+                <a:latin typeface="Noto Sans"/>
+                <a:cs typeface="Noto Sans"/>
+              </a:rPr>
+              <a:t> to present your work </a:t>
+            </a:r>
+            <a:r>
+              <a:rPr lang="en-US" spc="-15" dirty="0" smtClean="0">
+                <a:solidFill>
+                  <a:srgbClr val="695D46"/>
+                </a:solidFill>
+                <a:latin typeface="Noto Sans"/>
+                <a:cs typeface="Noto Sans"/>
+              </a:rPr>
+              <a:t>and there will be a </a:t>
+            </a:r>
+            <a:r>
+              <a:rPr lang="en-US" spc="-15" dirty="0" smtClean="0">
+                <a:solidFill>
+                  <a:srgbClr val="695D46"/>
+                </a:solidFill>
+                <a:latin typeface="Noto Sans"/>
+                <a:cs typeface="Noto Sans"/>
+              </a:rPr>
+              <a:t>brief </a:t>
+            </a:r>
+            <a:r>
+              <a:rPr lang="en-US" spc="-15" dirty="0" smtClean="0">
+                <a:solidFill>
+                  <a:srgbClr val="695D46"/>
+                </a:solidFill>
+                <a:latin typeface="Noto Sans"/>
+                <a:cs typeface="Noto Sans"/>
+              </a:rPr>
+              <a:t>QA after it.</a:t>
+            </a:r>
+            <a:endParaRPr sz="1800" dirty="0">
+              <a:latin typeface="Noto Sans"/>
+              <a:cs typeface="Noto Sans"/>
+            </a:endParaRPr>
+          </a:p>
+          <a:p>
+            <a:pPr>
+              <a:lnSpc>
+                <a:spcPct val="100000"/>
+              </a:lnSpc>
+              <a:spcBef>
+                <a:spcPts val="65"/>
+              </a:spcBef>
+              <a:buClr>
+                <a:srgbClr val="695D46"/>
+              </a:buClr>
+              <a:buFont typeface="Arial"/>
+              <a:buChar char="●"/>
+            </a:pPr>
+            <a:endParaRPr sz="2000" dirty="0">
+              <a:latin typeface="Noto Sans"/>
+              <a:cs typeface="Noto Sans"/>
+            </a:endParaRPr>
+          </a:p>
+          <a:p>
+            <a:pPr marL="379095" indent="-367030">
+              <a:lnSpc>
+                <a:spcPct val="100000"/>
+              </a:lnSpc>
+              <a:buFont typeface="Arial"/>
+              <a:buChar char="●"/>
+              <a:tabLst>
+                <a:tab pos="379095" algn="l"/>
+                <a:tab pos="379730" algn="l"/>
+              </a:tabLst>
+            </a:pPr>
+            <a:r>
+              <a:rPr sz="1800" spc="-15" dirty="0">
+                <a:solidFill>
+                  <a:srgbClr val="695D46"/>
+                </a:solidFill>
+                <a:latin typeface="Noto Sans"/>
+                <a:cs typeface="Noto Sans"/>
+              </a:rPr>
+              <a:t>Make sure your content</a:t>
+            </a:r>
+            <a:r>
+              <a:rPr sz="1800" spc="15" dirty="0">
+                <a:solidFill>
+                  <a:srgbClr val="695D46"/>
+                </a:solidFill>
+                <a:latin typeface="Noto Sans"/>
+                <a:cs typeface="Noto Sans"/>
+              </a:rPr>
+              <a:t> </a:t>
+            </a:r>
+            <a:r>
+              <a:rPr sz="1800" spc="-15" dirty="0">
+                <a:solidFill>
+                  <a:srgbClr val="695D46"/>
+                </a:solidFill>
+                <a:latin typeface="Noto Sans"/>
+                <a:cs typeface="Noto Sans"/>
+              </a:rPr>
+              <a:t>include</a:t>
+            </a:r>
+            <a:endParaRPr sz="1800" dirty="0">
+              <a:latin typeface="Noto Sans"/>
+              <a:cs typeface="Noto Sans"/>
+            </a:endParaRPr>
+          </a:p>
+          <a:p>
+            <a:pPr marL="836294" lvl="1" indent="-367665">
               <a:lnSpc>
                 <a:spcPct val="100000"/>
               </a:lnSpc>
@@ -4385,21 +4730,21 @@
                 <a:spcPts val="315"/>
               </a:spcBef>
               <a:buFont typeface="Arial"/>
-              <a:buChar char="●"/>
+              <a:buChar char="○"/>
               <a:tabLst>
-                <a:tab pos="469265" algn="l"/>
-                <a:tab pos="469900" algn="l"/>
+                <a:tab pos="836294" algn="l"/>
+                <a:tab pos="836930" algn="l"/>
               </a:tabLst>
             </a:pPr>
             <a:r>
-              <a:rPr sz="1800" spc="-15" dirty="0">
-                <a:solidFill>
-                  <a:srgbClr val="695D46"/>
-                </a:solidFill>
-                <a:latin typeface="Noto Sans"/>
-                <a:cs typeface="Noto Sans"/>
-              </a:rPr>
-              <a:t>Conclusion</a:t>
+              <a:rPr sz="1800" spc="-25" dirty="0">
+                <a:solidFill>
+                  <a:srgbClr val="695D46"/>
+                </a:solidFill>
+                <a:latin typeface="Noto Sans"/>
+                <a:cs typeface="Noto Sans"/>
+              </a:rPr>
+              <a:t>Methodology</a:t>
             </a:r>
             <a:endParaRPr sz="1800" dirty="0">
               <a:latin typeface="Noto Sans"/>
@@ -4407,102 +4752,103 @@
             </a:endParaRPr>
           </a:p>
           <a:p>
-            <a:pPr marL="12700">
+            <a:pPr marL="836294" lvl="1" indent="-367665">
               <a:lnSpc>
                 <a:spcPct val="100000"/>
               </a:lnSpc>
               <a:spcBef>
-                <a:spcPts val="1890"/>
+                <a:spcPts val="315"/>
               </a:spcBef>
-            </a:pPr>
-            <a:r>
-              <a:rPr sz="1800" b="1" spc="-5" dirty="0">
-                <a:solidFill>
-                  <a:srgbClr val="FF0000"/>
-                </a:solidFill>
-                <a:latin typeface="Noto Sans"/>
-                <a:cs typeface="Noto Sans"/>
-              </a:rPr>
-              <a:t>Less </a:t>
-            </a:r>
-            <a:r>
-              <a:rPr sz="1800" b="1" spc="-5">
-                <a:solidFill>
-                  <a:srgbClr val="FF0000"/>
-                </a:solidFill>
-                <a:latin typeface="Noto Sans"/>
-                <a:cs typeface="Noto Sans"/>
-              </a:rPr>
-              <a:t>than </a:t>
-            </a:r>
-            <a:r>
-              <a:rPr lang="en-US" sz="1800" b="1" spc="-5" smtClean="0">
-                <a:solidFill>
-                  <a:srgbClr val="FF0000"/>
-                </a:solidFill>
-                <a:latin typeface="Noto Sans"/>
-                <a:cs typeface="Noto Sans"/>
-              </a:rPr>
-              <a:t>2</a:t>
-            </a:r>
-            <a:r>
-              <a:rPr sz="1800" b="1" spc="-5" smtClean="0">
-                <a:solidFill>
-                  <a:srgbClr val="FF0000"/>
-                </a:solidFill>
-                <a:latin typeface="Noto Sans"/>
-                <a:cs typeface="Noto Sans"/>
-              </a:rPr>
-              <a:t> </a:t>
-            </a:r>
-            <a:r>
-              <a:rPr sz="1800" b="1" spc="-30" dirty="0">
-                <a:solidFill>
-                  <a:srgbClr val="FF0000"/>
-                </a:solidFill>
-                <a:latin typeface="Noto Sans"/>
-                <a:cs typeface="Noto Sans"/>
-              </a:rPr>
-              <a:t>pages </a:t>
-            </a:r>
-            <a:r>
-              <a:rPr sz="1800" b="1" spc="-5" dirty="0">
-                <a:solidFill>
-                  <a:srgbClr val="FF0000"/>
-                </a:solidFill>
-                <a:latin typeface="Noto Sans"/>
-                <a:cs typeface="Noto Sans"/>
-              </a:rPr>
-              <a:t>to summarize your</a:t>
-            </a:r>
-            <a:r>
-              <a:rPr sz="1800" b="1" spc="-40" dirty="0">
-                <a:solidFill>
-                  <a:srgbClr val="FF0000"/>
-                </a:solidFill>
-                <a:latin typeface="Noto Sans"/>
-                <a:cs typeface="Noto Sans"/>
-              </a:rPr>
-              <a:t> </a:t>
-            </a:r>
-            <a:r>
-              <a:rPr sz="1800" b="1" spc="-5" dirty="0">
-                <a:solidFill>
-                  <a:srgbClr val="FF0000"/>
-                </a:solidFill>
-                <a:latin typeface="Noto Sans"/>
-                <a:cs typeface="Noto Sans"/>
-              </a:rPr>
-              <a:t>project</a:t>
+              <a:buFont typeface="Arial"/>
+              <a:buChar char="○"/>
+              <a:tabLst>
+                <a:tab pos="836294" algn="l"/>
+                <a:tab pos="836930" algn="l"/>
+              </a:tabLst>
+            </a:pPr>
+            <a:r>
+              <a:rPr sz="1800" spc="-15" dirty="0">
+                <a:solidFill>
+                  <a:srgbClr val="695D46"/>
+                </a:solidFill>
+                <a:latin typeface="Noto Sans"/>
+                <a:cs typeface="Noto Sans"/>
+              </a:rPr>
+              <a:t>Evaluation</a:t>
             </a:r>
             <a:endParaRPr sz="1800" dirty="0">
               <a:latin typeface="Noto Sans"/>
               <a:cs typeface="Noto Sans"/>
             </a:endParaRPr>
           </a:p>
+          <a:p>
+            <a:pPr marL="836294" lvl="1" indent="-367665">
+              <a:lnSpc>
+                <a:spcPct val="100000"/>
+              </a:lnSpc>
+              <a:spcBef>
+                <a:spcPts val="315"/>
+              </a:spcBef>
+              <a:buFont typeface="Arial"/>
+              <a:buChar char="○"/>
+              <a:tabLst>
+                <a:tab pos="836294" algn="l"/>
+                <a:tab pos="836930" algn="l"/>
+              </a:tabLst>
+            </a:pPr>
+            <a:r>
+              <a:rPr sz="1800" spc="-10" dirty="0" smtClean="0">
+                <a:solidFill>
+                  <a:srgbClr val="695D46"/>
+                </a:solidFill>
+                <a:latin typeface="Noto Sans"/>
+                <a:cs typeface="Noto Sans"/>
+              </a:rPr>
+              <a:t>Discussion</a:t>
+            </a:r>
+            <a:endParaRPr sz="1800" dirty="0">
+              <a:latin typeface="Noto Sans"/>
+              <a:cs typeface="Noto Sans"/>
+            </a:endParaRPr>
+          </a:p>
+          <a:p>
+            <a:pPr marL="836294" lvl="1" indent="-367665">
+              <a:lnSpc>
+                <a:spcPct val="100000"/>
+              </a:lnSpc>
+              <a:spcBef>
+                <a:spcPts val="315"/>
+              </a:spcBef>
+              <a:buFont typeface="Arial"/>
+              <a:buChar char="○"/>
+              <a:tabLst>
+                <a:tab pos="836294" algn="l"/>
+                <a:tab pos="836930" algn="l"/>
+              </a:tabLst>
+            </a:pPr>
+            <a:r>
+              <a:rPr sz="1800" spc="-15" dirty="0">
+                <a:solidFill>
+                  <a:srgbClr val="695D46"/>
+                </a:solidFill>
+                <a:latin typeface="Noto Sans"/>
+                <a:cs typeface="Noto Sans"/>
+              </a:rPr>
+              <a:t>Conclusion</a:t>
+            </a:r>
+            <a:endParaRPr sz="1800" dirty="0">
+              <a:latin typeface="Noto Sans"/>
+              <a:cs typeface="Noto Sans"/>
+            </a:endParaRPr>
+          </a:p>
         </p:txBody>
       </p:sp>
     </p:spTree>
+    <p:extLst>
+      <p:ext uri="{BB962C8B-B14F-4D97-AF65-F5344CB8AC3E}">
+        <p14:creationId xmlns:p14="http://schemas.microsoft.com/office/powerpoint/2010/main" val="2338224632"/>
+      </p:ext>
+    </p:extLst>
   </p:cSld>
   <p:clrMapOvr>
     <a:masterClrMapping/>

--- a/Final_Project_intro.pptx
+++ b/Final_Project_intro.pptx
@@ -13,6 +13,7 @@
     <p:sldId id="261" r:id="rId7"/>
     <p:sldId id="266" r:id="rId8"/>
     <p:sldId id="267" r:id="rId9"/>
+    <p:sldId id="268" r:id="rId10"/>
   </p:sldIdLst>
   <p:sldSz cx="9144000" cy="5143500" type="screen16x9"/>
   <p:notesSz cx="9144000" cy="5143500"/>
@@ -3325,17 +3326,7 @@
                 <a:latin typeface="Noto Sans"/>
                 <a:cs typeface="Noto Sans"/>
               </a:rPr>
-              <a:t>0</a:t>
-            </a:r>
-            <a:r>
-              <a:rPr sz="1800" b="1" spc="-5" dirty="0" smtClean="0">
-                <a:solidFill>
-                  <a:srgbClr val="695D46"/>
-                </a:solidFill>
-                <a:latin typeface="Noto Sans"/>
-                <a:cs typeface="Noto Sans"/>
-              </a:rPr>
-              <a:t>%</a:t>
+              <a:t>0%</a:t>
             </a:r>
             <a:r>
               <a:rPr sz="1800" b="1" spc="-10" dirty="0" smtClean="0">
@@ -4548,17 +4539,27 @@
                 <a:latin typeface="Noto Sans"/>
                 <a:cs typeface="Noto Sans"/>
               </a:rPr>
-              <a:t>Each </a:t>
+              <a:t>Each team should make a presentation less than </a:t>
+            </a:r>
+            <a:r>
+              <a:rPr lang="en-US" altLang="zh-TW" spc="-15" dirty="0" smtClean="0">
+                <a:solidFill>
+                  <a:srgbClr val="FF0000"/>
+                </a:solidFill>
+                <a:latin typeface="Noto Sans"/>
+                <a:cs typeface="Noto Sans"/>
+              </a:rPr>
+              <a:t>5</a:t>
             </a:r>
             <a:r>
               <a:rPr lang="en-US" spc="-15" dirty="0" smtClean="0">
                 <a:solidFill>
-                  <a:srgbClr val="695D46"/>
-                </a:solidFill>
-                <a:latin typeface="Noto Sans"/>
-                <a:cs typeface="Noto Sans"/>
-              </a:rPr>
-              <a:t>team should make a </a:t>
+                  <a:srgbClr val="FF0000"/>
+                </a:solidFill>
+                <a:latin typeface="Noto Sans"/>
+                <a:cs typeface="Noto Sans"/>
+              </a:rPr>
+              <a:t> minutes</a:t>
             </a:r>
             <a:r>
               <a:rPr lang="en-US" spc="-15" dirty="0" smtClean="0">
@@ -4568,87 +4569,7 @@
                 <a:latin typeface="Noto Sans"/>
                 <a:cs typeface="Noto Sans"/>
               </a:rPr>
-              <a:t>presentation </a:t>
-            </a:r>
-            <a:r>
-              <a:rPr lang="en-US" spc="-15" dirty="0" smtClean="0">
-                <a:solidFill>
-                  <a:srgbClr val="695D46"/>
-                </a:solidFill>
-                <a:latin typeface="Noto Sans"/>
-                <a:cs typeface="Noto Sans"/>
-              </a:rPr>
-              <a:t>less than </a:t>
-            </a:r>
-            <a:r>
-              <a:rPr lang="en-US" altLang="zh-TW" spc="-15" dirty="0" smtClean="0">
-                <a:solidFill>
-                  <a:srgbClr val="FF0000"/>
-                </a:solidFill>
-                <a:latin typeface="Noto Sans"/>
-                <a:cs typeface="Noto Sans"/>
-              </a:rPr>
-              <a:t>5</a:t>
-            </a:r>
-            <a:r>
-              <a:rPr lang="en-US" spc="-15" dirty="0" smtClean="0">
-                <a:solidFill>
-                  <a:srgbClr val="FF0000"/>
-                </a:solidFill>
-                <a:latin typeface="Noto Sans"/>
-                <a:cs typeface="Noto Sans"/>
-              </a:rPr>
-              <a:t> </a:t>
-            </a:r>
-            <a:r>
-              <a:rPr lang="en-US" spc="-15" dirty="0" smtClean="0">
-                <a:solidFill>
-                  <a:srgbClr val="FF0000"/>
-                </a:solidFill>
-                <a:latin typeface="Noto Sans"/>
-                <a:cs typeface="Noto Sans"/>
-              </a:rPr>
-              <a:t>minutes</a:t>
-            </a:r>
-            <a:r>
-              <a:rPr lang="en-US" spc="-15" dirty="0" smtClean="0">
-                <a:solidFill>
-                  <a:srgbClr val="695D46"/>
-                </a:solidFill>
-                <a:latin typeface="Noto Sans"/>
-                <a:cs typeface="Noto Sans"/>
-              </a:rPr>
-              <a:t> to present your work </a:t>
-            </a:r>
-            <a:r>
-              <a:rPr lang="en-US" spc="-15" dirty="0" smtClean="0">
-                <a:solidFill>
-                  <a:srgbClr val="695D46"/>
-                </a:solidFill>
-                <a:latin typeface="Noto Sans"/>
-                <a:cs typeface="Noto Sans"/>
-              </a:rPr>
-              <a:t>and there will be a </a:t>
-            </a:r>
-            <a:r>
-              <a:rPr lang="en-US" spc="-15" dirty="0" smtClean="0">
-                <a:solidFill>
-                  <a:srgbClr val="695D46"/>
-                </a:solidFill>
-                <a:latin typeface="Noto Sans"/>
-                <a:cs typeface="Noto Sans"/>
-              </a:rPr>
-              <a:t>brief </a:t>
-            </a:r>
-            <a:r>
-              <a:rPr lang="en-US" spc="-15" dirty="0" smtClean="0">
-                <a:solidFill>
-                  <a:srgbClr val="695D46"/>
-                </a:solidFill>
-                <a:latin typeface="Noto Sans"/>
-                <a:cs typeface="Noto Sans"/>
-              </a:rPr>
-              <a:t>QA after it.</a:t>
+              <a:t> to present your work and there will be a brief QA after it.</a:t>
             </a:r>
             <a:endParaRPr sz="1800" dirty="0">
               <a:latin typeface="Noto Sans"/>
@@ -4847,6 +4768,533 @@
     <p:extLst>
       <p:ext uri="{BB962C8B-B14F-4D97-AF65-F5344CB8AC3E}">
         <p14:creationId xmlns:p14="http://schemas.microsoft.com/office/powerpoint/2010/main" val="2338224632"/>
+      </p:ext>
+    </p:extLst>
+  </p:cSld>
+  <p:clrMapOvr>
+    <a:masterClrMapping/>
+  </p:clrMapOvr>
+  <p:timing>
+    <p:tnLst>
+      <p:par>
+        <p:cTn id="1" dur="indefinite" restart="never" nodeType="tmRoot"/>
+      </p:par>
+    </p:tnLst>
+  </p:timing>
+</p:sld>
+</file>
+
+<file path=ppt/slides/slide9.xml><?xml version="1.0" encoding="utf-8"?>
+<p:sld xmlns:a="http://schemas.openxmlformats.org/drawingml/2006/main" xmlns:r="http://schemas.openxmlformats.org/officeDocument/2006/relationships" xmlns:p="http://schemas.openxmlformats.org/presentationml/2006/main">
+  <p:cSld>
+    <p:spTree>
+      <p:nvGrpSpPr>
+        <p:cNvPr id="1" name=""/>
+        <p:cNvGrpSpPr/>
+        <p:nvPr/>
+      </p:nvGrpSpPr>
+      <p:grpSpPr>
+        <a:xfrm>
+          <a:off x="0" y="0"/>
+          <a:ext cx="0" cy="0"/>
+          <a:chOff x="0" y="0"/>
+          <a:chExt cx="0" cy="0"/>
+        </a:xfrm>
+      </p:grpSpPr>
+      <p:pic>
+        <p:nvPicPr>
+          <p:cNvPr id="12" name="Picture 11"/>
+          <p:cNvPicPr>
+            <a:picLocks noChangeAspect="1"/>
+          </p:cNvPicPr>
+          <p:nvPr/>
+        </p:nvPicPr>
+        <p:blipFill>
+          <a:blip r:embed="rId2"/>
+          <a:stretch>
+            <a:fillRect/>
+          </a:stretch>
+        </p:blipFill>
+        <p:spPr>
+          <a:xfrm>
+            <a:off x="384724" y="1016923"/>
+            <a:ext cx="1961937" cy="3081576"/>
+          </a:xfrm>
+          <a:prstGeom prst="rect">
+            <a:avLst/>
+          </a:prstGeom>
+        </p:spPr>
+      </p:pic>
+      <p:sp>
+        <p:nvSpPr>
+          <p:cNvPr id="2" name="object 2"/>
+          <p:cNvSpPr txBox="1">
+            <a:spLocks noGrp="1"/>
+          </p:cNvSpPr>
+          <p:nvPr>
+            <p:ph type="title"/>
+          </p:nvPr>
+        </p:nvSpPr>
+        <p:spPr>
+          <a:xfrm>
+            <a:off x="384724" y="499761"/>
+            <a:ext cx="2815676" cy="443711"/>
+          </a:xfrm>
+          <a:prstGeom prst="rect">
+            <a:avLst/>
+          </a:prstGeom>
+        </p:spPr>
+        <p:txBody>
+          <a:bodyPr vert="horz" wrap="square" lIns="0" tIns="12700" rIns="0" bIns="0" rtlCol="0">
+            <a:spAutoFit/>
+          </a:bodyPr>
+          <a:lstStyle/>
+          <a:p>
+            <a:pPr marL="12700">
+              <a:spcBef>
+                <a:spcPts val="100"/>
+              </a:spcBef>
+            </a:pPr>
+            <a:r>
+              <a:rPr lang="en-US" sz="2800" dirty="0" smtClean="0"/>
+              <a:t>Data Path</a:t>
+            </a:r>
+            <a:endParaRPr sz="2800" dirty="0"/>
+          </a:p>
+        </p:txBody>
+      </p:sp>
+      <p:pic>
+        <p:nvPicPr>
+          <p:cNvPr id="5" name="Picture 4"/>
+          <p:cNvPicPr>
+            <a:picLocks noChangeAspect="1"/>
+          </p:cNvPicPr>
+          <p:nvPr/>
+        </p:nvPicPr>
+        <p:blipFill>
+          <a:blip r:embed="rId3"/>
+          <a:stretch>
+            <a:fillRect/>
+          </a:stretch>
+        </p:blipFill>
+        <p:spPr>
+          <a:xfrm>
+            <a:off x="384724" y="4171950"/>
+            <a:ext cx="7086600" cy="578247"/>
+          </a:xfrm>
+          <a:prstGeom prst="rect">
+            <a:avLst/>
+          </a:prstGeom>
+        </p:spPr>
+      </p:pic>
+      <p:cxnSp>
+        <p:nvCxnSpPr>
+          <p:cNvPr id="7" name="Straight Arrow Connector 6"/>
+          <p:cNvCxnSpPr/>
+          <p:nvPr/>
+        </p:nvCxnSpPr>
+        <p:spPr>
+          <a:xfrm flipH="1" flipV="1">
+            <a:off x="1295400" y="1220819"/>
+            <a:ext cx="2057400" cy="127967"/>
+          </a:xfrm>
+          <a:prstGeom prst="straightConnector1">
+            <a:avLst/>
+          </a:prstGeom>
+          <a:ln>
+            <a:tailEnd type="triangle"/>
+          </a:ln>
+        </p:spPr>
+        <p:style>
+          <a:lnRef idx="1">
+            <a:schemeClr val="accent1"/>
+          </a:lnRef>
+          <a:fillRef idx="0">
+            <a:schemeClr val="accent1"/>
+          </a:fillRef>
+          <a:effectRef idx="0">
+            <a:schemeClr val="accent1"/>
+          </a:effectRef>
+          <a:fontRef idx="minor">
+            <a:schemeClr val="tx1"/>
+          </a:fontRef>
+        </p:style>
+      </p:cxnSp>
+      <p:sp>
+        <p:nvSpPr>
+          <p:cNvPr id="9" name="TextBox 8"/>
+          <p:cNvSpPr txBox="1"/>
+          <p:nvPr/>
+        </p:nvSpPr>
+        <p:spPr>
+          <a:xfrm>
+            <a:off x="3581400" y="1167884"/>
+            <a:ext cx="2286000" cy="369332"/>
+          </a:xfrm>
+          <a:prstGeom prst="rect">
+            <a:avLst/>
+          </a:prstGeom>
+          <a:noFill/>
+        </p:spPr>
+        <p:txBody>
+          <a:bodyPr wrap="square" rtlCol="0">
+            <a:spAutoFit/>
+          </a:bodyPr>
+          <a:lstStyle/>
+          <a:p>
+            <a:r>
+              <a:rPr lang="en-US" altLang="zh-TW" dirty="0" err="1" smtClean="0">
+                <a:latin typeface="Adobe 繁黑體 Std B" panose="020B0700000000000000" pitchFamily="34" charset="-120"/>
+                <a:ea typeface="Adobe 繁黑體 Std B" panose="020B0700000000000000" pitchFamily="34" charset="-120"/>
+              </a:rPr>
+              <a:t>GoogleDrive</a:t>
+            </a:r>
+            <a:r>
+              <a:rPr lang="zh-TW" altLang="en-US" dirty="0" smtClean="0">
+                <a:latin typeface="Adobe 繁黑體 Std B" panose="020B0700000000000000" pitchFamily="34" charset="-120"/>
+                <a:ea typeface="Adobe 繁黑體 Std B" panose="020B0700000000000000" pitchFamily="34" charset="-120"/>
+              </a:rPr>
+              <a:t>根目錄</a:t>
+            </a:r>
+            <a:endParaRPr lang="zh-TW" altLang="en-US" dirty="0">
+              <a:latin typeface="Adobe 繁黑體 Std B" panose="020B0700000000000000" pitchFamily="34" charset="-120"/>
+              <a:ea typeface="Adobe 繁黑體 Std B" panose="020B0700000000000000" pitchFamily="34" charset="-120"/>
+            </a:endParaRPr>
+          </a:p>
+        </p:txBody>
+      </p:sp>
+      <p:cxnSp>
+        <p:nvCxnSpPr>
+          <p:cNvPr id="10" name="Straight Arrow Connector 9"/>
+          <p:cNvCxnSpPr/>
+          <p:nvPr/>
+        </p:nvCxnSpPr>
+        <p:spPr>
+          <a:xfrm flipH="1" flipV="1">
+            <a:off x="1828800" y="1585734"/>
+            <a:ext cx="1524000" cy="130285"/>
+          </a:xfrm>
+          <a:prstGeom prst="straightConnector1">
+            <a:avLst/>
+          </a:prstGeom>
+          <a:ln>
+            <a:tailEnd type="triangle"/>
+          </a:ln>
+        </p:spPr>
+        <p:style>
+          <a:lnRef idx="1">
+            <a:schemeClr val="accent1"/>
+          </a:lnRef>
+          <a:fillRef idx="0">
+            <a:schemeClr val="accent1"/>
+          </a:fillRef>
+          <a:effectRef idx="0">
+            <a:schemeClr val="accent1"/>
+          </a:effectRef>
+          <a:fontRef idx="minor">
+            <a:schemeClr val="tx1"/>
+          </a:fontRef>
+        </p:style>
+      </p:cxnSp>
+      <p:sp>
+        <p:nvSpPr>
+          <p:cNvPr id="11" name="TextBox 10"/>
+          <p:cNvSpPr txBox="1"/>
+          <p:nvPr/>
+        </p:nvSpPr>
+        <p:spPr>
+          <a:xfrm>
+            <a:off x="3581400" y="1585734"/>
+            <a:ext cx="2286000" cy="369332"/>
+          </a:xfrm>
+          <a:prstGeom prst="rect">
+            <a:avLst/>
+          </a:prstGeom>
+          <a:noFill/>
+        </p:spPr>
+        <p:txBody>
+          <a:bodyPr wrap="square" rtlCol="0">
+            <a:spAutoFit/>
+          </a:bodyPr>
+          <a:lstStyle/>
+          <a:p>
+            <a:r>
+              <a:rPr lang="zh-TW" altLang="en-US" dirty="0" smtClean="0">
+                <a:latin typeface="Adobe 繁黑體 Std B" panose="020B0700000000000000" pitchFamily="34" charset="-120"/>
+                <a:ea typeface="Adobe 繁黑體 Std B" panose="020B0700000000000000" pitchFamily="34" charset="-120"/>
+              </a:rPr>
+              <a:t>放</a:t>
+            </a:r>
+            <a:r>
+              <a:rPr lang="en-US" altLang="zh-TW" dirty="0" smtClean="0">
+                <a:latin typeface="Adobe 繁黑體 Std B" panose="020B0700000000000000" pitchFamily="34" charset="-120"/>
+                <a:ea typeface="Adobe 繁黑體 Std B" panose="020B0700000000000000" pitchFamily="34" charset="-120"/>
+              </a:rPr>
+              <a:t>Code</a:t>
+            </a:r>
+            <a:r>
+              <a:rPr lang="zh-TW" altLang="en-US" dirty="0" smtClean="0">
+                <a:latin typeface="Adobe 繁黑體 Std B" panose="020B0700000000000000" pitchFamily="34" charset="-120"/>
+                <a:ea typeface="Adobe 繁黑體 Std B" panose="020B0700000000000000" pitchFamily="34" charset="-120"/>
+              </a:rPr>
+              <a:t>的資料夾</a:t>
+            </a:r>
+            <a:endParaRPr lang="zh-TW" altLang="en-US" dirty="0">
+              <a:latin typeface="Adobe 繁黑體 Std B" panose="020B0700000000000000" pitchFamily="34" charset="-120"/>
+              <a:ea typeface="Adobe 繁黑體 Std B" panose="020B0700000000000000" pitchFamily="34" charset="-120"/>
+            </a:endParaRPr>
+          </a:p>
+        </p:txBody>
+      </p:sp>
+      <p:cxnSp>
+        <p:nvCxnSpPr>
+          <p:cNvPr id="17" name="Straight Arrow Connector 16"/>
+          <p:cNvCxnSpPr/>
+          <p:nvPr/>
+        </p:nvCxnSpPr>
+        <p:spPr>
+          <a:xfrm flipH="1" flipV="1">
+            <a:off x="1676402" y="1784927"/>
+            <a:ext cx="1676397" cy="263475"/>
+          </a:xfrm>
+          <a:prstGeom prst="straightConnector1">
+            <a:avLst/>
+          </a:prstGeom>
+          <a:ln>
+            <a:tailEnd type="triangle"/>
+          </a:ln>
+        </p:spPr>
+        <p:style>
+          <a:lnRef idx="1">
+            <a:schemeClr val="accent1"/>
+          </a:lnRef>
+          <a:fillRef idx="0">
+            <a:schemeClr val="accent1"/>
+          </a:fillRef>
+          <a:effectRef idx="0">
+            <a:schemeClr val="accent1"/>
+          </a:effectRef>
+          <a:fontRef idx="minor">
+            <a:schemeClr val="tx1"/>
+          </a:fontRef>
+        </p:style>
+      </p:cxnSp>
+      <p:sp>
+        <p:nvSpPr>
+          <p:cNvPr id="19" name="TextBox 18"/>
+          <p:cNvSpPr txBox="1"/>
+          <p:nvPr/>
+        </p:nvSpPr>
+        <p:spPr>
+          <a:xfrm>
+            <a:off x="3581400" y="1948848"/>
+            <a:ext cx="2286000" cy="369332"/>
+          </a:xfrm>
+          <a:prstGeom prst="rect">
+            <a:avLst/>
+          </a:prstGeom>
+          <a:noFill/>
+        </p:spPr>
+        <p:txBody>
+          <a:bodyPr wrap="square" rtlCol="0">
+            <a:spAutoFit/>
+          </a:bodyPr>
+          <a:lstStyle/>
+          <a:p>
+            <a:r>
+              <a:rPr lang="zh-TW" altLang="en-US" dirty="0">
+                <a:latin typeface="Adobe 繁黑體 Std B" panose="020B0700000000000000" pitchFamily="34" charset="-120"/>
+                <a:ea typeface="Adobe 繁黑體 Std B" panose="020B0700000000000000" pitchFamily="34" charset="-120"/>
+              </a:rPr>
+              <a:t>訓</a:t>
+            </a:r>
+            <a:r>
+              <a:rPr lang="zh-TW" altLang="en-US" dirty="0" smtClean="0">
+                <a:latin typeface="Adobe 繁黑體 Std B" panose="020B0700000000000000" pitchFamily="34" charset="-120"/>
+                <a:ea typeface="Adobe 繁黑體 Std B" panose="020B0700000000000000" pitchFamily="34" charset="-120"/>
+              </a:rPr>
+              <a:t>練</a:t>
+            </a:r>
+            <a:r>
+              <a:rPr lang="zh-TW" altLang="en-US" dirty="0">
+                <a:latin typeface="Adobe 繁黑體 Std B" panose="020B0700000000000000" pitchFamily="34" charset="-120"/>
+                <a:ea typeface="Adobe 繁黑體 Std B" panose="020B0700000000000000" pitchFamily="34" charset="-120"/>
+              </a:rPr>
+              <a:t>集</a:t>
+            </a:r>
+            <a:r>
+              <a:rPr lang="zh-TW" altLang="en-US" dirty="0" smtClean="0">
+                <a:latin typeface="Adobe 繁黑體 Std B" panose="020B0700000000000000" pitchFamily="34" charset="-120"/>
+                <a:ea typeface="Adobe 繁黑體 Std B" panose="020B0700000000000000" pitchFamily="34" charset="-120"/>
+              </a:rPr>
+              <a:t>資料</a:t>
+            </a:r>
+            <a:r>
+              <a:rPr lang="zh-TW" altLang="en-US" dirty="0">
+                <a:latin typeface="Adobe 繁黑體 Std B" panose="020B0700000000000000" pitchFamily="34" charset="-120"/>
+                <a:ea typeface="Adobe 繁黑體 Std B" panose="020B0700000000000000" pitchFamily="34" charset="-120"/>
+              </a:rPr>
+              <a:t>夾</a:t>
+            </a:r>
+          </a:p>
+        </p:txBody>
+      </p:sp>
+      <p:cxnSp>
+        <p:nvCxnSpPr>
+          <p:cNvPr id="20" name="Straight Arrow Connector 19"/>
+          <p:cNvCxnSpPr/>
+          <p:nvPr/>
+        </p:nvCxnSpPr>
+        <p:spPr>
+          <a:xfrm flipH="1">
+            <a:off x="2286001" y="3596397"/>
+            <a:ext cx="1219199" cy="243169"/>
+          </a:xfrm>
+          <a:prstGeom prst="straightConnector1">
+            <a:avLst/>
+          </a:prstGeom>
+          <a:ln>
+            <a:tailEnd type="triangle"/>
+          </a:ln>
+        </p:spPr>
+        <p:style>
+          <a:lnRef idx="1">
+            <a:schemeClr val="accent1"/>
+          </a:lnRef>
+          <a:fillRef idx="0">
+            <a:schemeClr val="accent1"/>
+          </a:fillRef>
+          <a:effectRef idx="0">
+            <a:schemeClr val="accent1"/>
+          </a:effectRef>
+          <a:fontRef idx="minor">
+            <a:schemeClr val="tx1"/>
+          </a:fontRef>
+        </p:style>
+      </p:cxnSp>
+      <p:sp>
+        <p:nvSpPr>
+          <p:cNvPr id="24" name="TextBox 23"/>
+          <p:cNvSpPr txBox="1"/>
+          <p:nvPr/>
+        </p:nvSpPr>
+        <p:spPr>
+          <a:xfrm>
+            <a:off x="3581400" y="3347318"/>
+            <a:ext cx="2286000" cy="369332"/>
+          </a:xfrm>
+          <a:prstGeom prst="rect">
+            <a:avLst/>
+          </a:prstGeom>
+          <a:noFill/>
+        </p:spPr>
+        <p:txBody>
+          <a:bodyPr wrap="square" rtlCol="0">
+            <a:spAutoFit/>
+          </a:bodyPr>
+          <a:lstStyle/>
+          <a:p>
+            <a:r>
+              <a:rPr lang="en-US" altLang="zh-TW" dirty="0" smtClean="0">
+                <a:latin typeface="Adobe 繁黑體 Std B" panose="020B0700000000000000" pitchFamily="34" charset="-120"/>
+                <a:ea typeface="Adobe 繁黑體 Std B" panose="020B0700000000000000" pitchFamily="34" charset="-120"/>
+              </a:rPr>
+              <a:t>Code</a:t>
+            </a:r>
+            <a:endParaRPr lang="zh-TW" altLang="en-US" dirty="0">
+              <a:latin typeface="Adobe 繁黑體 Std B" panose="020B0700000000000000" pitchFamily="34" charset="-120"/>
+              <a:ea typeface="Adobe 繁黑體 Std B" panose="020B0700000000000000" pitchFamily="34" charset="-120"/>
+            </a:endParaRPr>
+          </a:p>
+        </p:txBody>
+      </p:sp>
+      <p:sp>
+        <p:nvSpPr>
+          <p:cNvPr id="26" name="TextBox 25"/>
+          <p:cNvSpPr txBox="1"/>
+          <p:nvPr/>
+        </p:nvSpPr>
+        <p:spPr>
+          <a:xfrm>
+            <a:off x="4800600" y="2647950"/>
+            <a:ext cx="3733800" cy="923330"/>
+          </a:xfrm>
+          <a:prstGeom prst="rect">
+            <a:avLst/>
+          </a:prstGeom>
+          <a:noFill/>
+        </p:spPr>
+        <p:txBody>
+          <a:bodyPr wrap="square" rtlCol="0">
+            <a:spAutoFit/>
+          </a:bodyPr>
+          <a:lstStyle/>
+          <a:p>
+            <a:r>
+              <a:rPr lang="zh-TW" altLang="en-US" dirty="0">
+                <a:solidFill>
+                  <a:srgbClr val="FF0000"/>
+                </a:solidFill>
+                <a:latin typeface="Adobe 繁黑體 Std B" panose="020B0700000000000000" pitchFamily="34" charset="-120"/>
+                <a:ea typeface="Adobe 繁黑體 Std B" panose="020B0700000000000000" pitchFamily="34" charset="-120"/>
+              </a:rPr>
+              <a:t>訓練集資料</a:t>
+            </a:r>
+            <a:r>
+              <a:rPr lang="zh-TW" altLang="en-US" dirty="0" smtClean="0">
+                <a:solidFill>
+                  <a:srgbClr val="FF0000"/>
+                </a:solidFill>
+                <a:latin typeface="Adobe 繁黑體 Std B" panose="020B0700000000000000" pitchFamily="34" charset="-120"/>
+                <a:ea typeface="Adobe 繁黑體 Std B" panose="020B0700000000000000" pitchFamily="34" charset="-120"/>
+              </a:rPr>
+              <a:t>夾 </a:t>
+            </a:r>
+            <a:r>
+              <a:rPr lang="en-US" altLang="zh-TW" dirty="0" smtClean="0">
+                <a:solidFill>
+                  <a:srgbClr val="FF0000"/>
+                </a:solidFill>
+                <a:latin typeface="Adobe 繁黑體 Std B" panose="020B0700000000000000" pitchFamily="34" charset="-120"/>
+                <a:ea typeface="Adobe 繁黑體 Std B" panose="020B0700000000000000" pitchFamily="34" charset="-120"/>
+              </a:rPr>
+              <a:t>&amp; Code </a:t>
+            </a:r>
+          </a:p>
+          <a:p>
+            <a:r>
+              <a:rPr lang="zh-TW" altLang="en-US" dirty="0" smtClean="0">
+                <a:solidFill>
+                  <a:srgbClr val="FF0000"/>
+                </a:solidFill>
+                <a:latin typeface="Adobe 繁黑體 Std B" panose="020B0700000000000000" pitchFamily="34" charset="-120"/>
+                <a:ea typeface="Adobe 繁黑體 Std B" panose="020B0700000000000000" pitchFamily="34" charset="-120"/>
+              </a:rPr>
+              <a:t>務必放在同一的資料夾內</a:t>
+            </a:r>
+            <a:endParaRPr lang="zh-TW" altLang="en-US" dirty="0">
+              <a:solidFill>
+                <a:srgbClr val="FF0000"/>
+              </a:solidFill>
+              <a:latin typeface="Adobe 繁黑體 Std B" panose="020B0700000000000000" pitchFamily="34" charset="-120"/>
+              <a:ea typeface="Adobe 繁黑體 Std B" panose="020B0700000000000000" pitchFamily="34" charset="-120"/>
+            </a:endParaRPr>
+          </a:p>
+          <a:p>
+            <a:endParaRPr lang="zh-TW" altLang="en-US" dirty="0">
+              <a:solidFill>
+                <a:srgbClr val="FF0000"/>
+              </a:solidFill>
+              <a:latin typeface="Adobe 繁黑體 Std B" panose="020B0700000000000000" pitchFamily="34" charset="-120"/>
+              <a:ea typeface="Adobe 繁黑體 Std B" panose="020B0700000000000000" pitchFamily="34" charset="-120"/>
+            </a:endParaRPr>
+          </a:p>
+        </p:txBody>
+      </p:sp>
+    </p:spTree>
+    <p:extLst>
+      <p:ext uri="{BB962C8B-B14F-4D97-AF65-F5344CB8AC3E}">
+        <p14:creationId xmlns:p14="http://schemas.microsoft.com/office/powerpoint/2010/main" val="3371513547"/>
       </p:ext>
     </p:extLst>
   </p:cSld>

--- a/Final_Project_intro.pptx
+++ b/Final_Project_intro.pptx
@@ -14,6 +14,7 @@
     <p:sldId id="266" r:id="rId8"/>
     <p:sldId id="267" r:id="rId9"/>
     <p:sldId id="268" r:id="rId10"/>
+    <p:sldId id="269" r:id="rId11"/>
   </p:sldIdLst>
   <p:sldSz cx="9144000" cy="5143500" type="screen16x9"/>
   <p:notesSz cx="9144000" cy="5143500"/>
@@ -1810,6 +1811,322 @@
 </p:sld>
 </file>
 
+<file path=ppt/slides/slide10.xml><?xml version="1.0" encoding="utf-8"?>
+<p:sld xmlns:a="http://schemas.openxmlformats.org/drawingml/2006/main" xmlns:r="http://schemas.openxmlformats.org/officeDocument/2006/relationships" xmlns:p="http://schemas.openxmlformats.org/presentationml/2006/main">
+  <p:cSld>
+    <p:spTree>
+      <p:nvGrpSpPr>
+        <p:cNvPr id="1" name=""/>
+        <p:cNvGrpSpPr/>
+        <p:nvPr/>
+      </p:nvGrpSpPr>
+      <p:grpSpPr>
+        <a:xfrm>
+          <a:off x="0" y="0"/>
+          <a:ext cx="0" cy="0"/>
+          <a:chOff x="0" y="0"/>
+          <a:chExt cx="0" cy="0"/>
+        </a:xfrm>
+      </p:grpSpPr>
+      <p:sp>
+        <p:nvSpPr>
+          <p:cNvPr id="2" name="object 2"/>
+          <p:cNvSpPr txBox="1">
+            <a:spLocks noGrp="1"/>
+          </p:cNvSpPr>
+          <p:nvPr>
+            <p:ph type="title"/>
+          </p:nvPr>
+        </p:nvSpPr>
+        <p:spPr>
+          <a:xfrm>
+            <a:off x="384724" y="499761"/>
+            <a:ext cx="2815676" cy="443711"/>
+          </a:xfrm>
+          <a:prstGeom prst="rect">
+            <a:avLst/>
+          </a:prstGeom>
+        </p:spPr>
+        <p:txBody>
+          <a:bodyPr vert="horz" wrap="square" lIns="0" tIns="12700" rIns="0" bIns="0" rtlCol="0">
+            <a:spAutoFit/>
+          </a:bodyPr>
+          <a:lstStyle/>
+          <a:p>
+            <a:pPr marL="12700">
+              <a:spcBef>
+                <a:spcPts val="100"/>
+              </a:spcBef>
+            </a:pPr>
+            <a:r>
+              <a:rPr lang="en-US" altLang="zh-TW" sz="2800" dirty="0" smtClean="0"/>
+              <a:t>Update</a:t>
+            </a:r>
+            <a:endParaRPr sz="2800" dirty="0"/>
+          </a:p>
+        </p:txBody>
+      </p:sp>
+      <p:sp>
+        <p:nvSpPr>
+          <p:cNvPr id="3" name="object 3"/>
+          <p:cNvSpPr txBox="1"/>
+          <p:nvPr/>
+        </p:nvSpPr>
+        <p:spPr>
+          <a:xfrm>
+            <a:off x="475248" y="1330208"/>
+            <a:ext cx="6382752" cy="2600712"/>
+          </a:xfrm>
+          <a:prstGeom prst="rect">
+            <a:avLst/>
+          </a:prstGeom>
+        </p:spPr>
+        <p:txBody>
+          <a:bodyPr vert="horz" wrap="square" lIns="0" tIns="12700" rIns="0" bIns="0" rtlCol="0">
+            <a:spAutoFit/>
+          </a:bodyPr>
+          <a:lstStyle/>
+          <a:p>
+            <a:pPr marL="379095" indent="-367030">
+              <a:lnSpc>
+                <a:spcPct val="100000"/>
+              </a:lnSpc>
+              <a:spcBef>
+                <a:spcPts val="100"/>
+              </a:spcBef>
+              <a:buFont typeface="Arial"/>
+              <a:buChar char="●"/>
+              <a:tabLst>
+                <a:tab pos="379095" algn="l"/>
+                <a:tab pos="379730" algn="l"/>
+              </a:tabLst>
+            </a:pPr>
+            <a:r>
+              <a:rPr lang="en-US" altLang="zh-TW" sz="1800" b="1" spc="-5" dirty="0" smtClean="0">
+                <a:solidFill>
+                  <a:srgbClr val="695D46"/>
+                </a:solidFill>
+                <a:latin typeface="Noto Sans"/>
+                <a:cs typeface="Noto Sans"/>
+              </a:rPr>
+              <a:t>Each team should update a zip file(teamXX.zip) with </a:t>
+            </a:r>
+          </a:p>
+          <a:p>
+            <a:pPr marL="379095" indent="-367030">
+              <a:lnSpc>
+                <a:spcPct val="100000"/>
+              </a:lnSpc>
+              <a:spcBef>
+                <a:spcPts val="100"/>
+              </a:spcBef>
+              <a:buFont typeface="+mj-lt"/>
+              <a:buAutoNum type="arabicPeriod"/>
+              <a:tabLst>
+                <a:tab pos="379095" algn="l"/>
+                <a:tab pos="379730" algn="l"/>
+              </a:tabLst>
+            </a:pPr>
+            <a:r>
+              <a:rPr lang="en-US" altLang="zh-TW" b="1" spc="-5" dirty="0" smtClean="0">
+                <a:solidFill>
+                  <a:srgbClr val="695D46"/>
+                </a:solidFill>
+                <a:latin typeface="Noto Sans"/>
+                <a:cs typeface="Noto Sans"/>
+              </a:rPr>
+              <a:t>Exam_answer.csv</a:t>
+            </a:r>
+          </a:p>
+          <a:p>
+            <a:pPr marL="379095" indent="-367030">
+              <a:lnSpc>
+                <a:spcPct val="100000"/>
+              </a:lnSpc>
+              <a:spcBef>
+                <a:spcPts val="100"/>
+              </a:spcBef>
+              <a:buFont typeface="+mj-lt"/>
+              <a:buAutoNum type="arabicPeriod"/>
+              <a:tabLst>
+                <a:tab pos="379095" algn="l"/>
+                <a:tab pos="379730" algn="l"/>
+              </a:tabLst>
+            </a:pPr>
+            <a:r>
+              <a:rPr lang="en-US" altLang="zh-TW" sz="1800" b="1" spc="-5" dirty="0" smtClean="0">
+                <a:solidFill>
+                  <a:srgbClr val="695D46"/>
+                </a:solidFill>
+                <a:latin typeface="Noto Sans"/>
+                <a:cs typeface="Noto Sans"/>
+              </a:rPr>
+              <a:t>Report.pdf</a:t>
+            </a:r>
+          </a:p>
+          <a:p>
+            <a:pPr marL="379095" indent="-367030">
+              <a:lnSpc>
+                <a:spcPct val="100000"/>
+              </a:lnSpc>
+              <a:spcBef>
+                <a:spcPts val="100"/>
+              </a:spcBef>
+              <a:buFont typeface="+mj-lt"/>
+              <a:buAutoNum type="arabicPeriod"/>
+              <a:tabLst>
+                <a:tab pos="379095" algn="l"/>
+                <a:tab pos="379730" algn="l"/>
+              </a:tabLst>
+            </a:pPr>
+            <a:r>
+              <a:rPr lang="en-US" altLang="zh-TW" b="1" spc="-5" dirty="0" err="1" smtClean="0">
+                <a:solidFill>
+                  <a:srgbClr val="695D46"/>
+                </a:solidFill>
+                <a:latin typeface="Noto Sans"/>
+                <a:cs typeface="Noto Sans"/>
+              </a:rPr>
+              <a:t>Code.ipynb</a:t>
+            </a:r>
+            <a:endParaRPr lang="en-US" sz="2000" dirty="0" smtClean="0">
+              <a:latin typeface="Noto Sans"/>
+              <a:cs typeface="Noto Sans"/>
+            </a:endParaRPr>
+          </a:p>
+          <a:p>
+            <a:pPr marL="12065">
+              <a:spcBef>
+                <a:spcPts val="100"/>
+              </a:spcBef>
+              <a:tabLst>
+                <a:tab pos="379095" algn="l"/>
+                <a:tab pos="379730" algn="l"/>
+              </a:tabLst>
+            </a:pPr>
+            <a:r>
+              <a:rPr lang="en-US" sz="2000" dirty="0">
+                <a:latin typeface="Noto Sans"/>
+                <a:cs typeface="Noto Sans"/>
+              </a:rPr>
+              <a:t>	</a:t>
+            </a:r>
+            <a:r>
+              <a:rPr lang="en-US" altLang="zh-TW" b="1" spc="-5" dirty="0">
+                <a:solidFill>
+                  <a:srgbClr val="695D46"/>
+                </a:solidFill>
+                <a:latin typeface="Noto Sans"/>
+                <a:cs typeface="Noto Sans"/>
+              </a:rPr>
+              <a:t>to the following Google drive link before </a:t>
+            </a:r>
+            <a:r>
+              <a:rPr lang="en-US" altLang="zh-TW" b="1" spc="-5" dirty="0" smtClean="0">
+                <a:solidFill>
+                  <a:srgbClr val="FF0000"/>
+                </a:solidFill>
+                <a:latin typeface="Noto Sans"/>
+                <a:cs typeface="Noto Sans"/>
+              </a:rPr>
+              <a:t>1/15</a:t>
+            </a:r>
+            <a:endParaRPr lang="en-US" altLang="zh-TW" b="1" spc="-5" dirty="0">
+              <a:solidFill>
+                <a:srgbClr val="FF0000"/>
+              </a:solidFill>
+              <a:latin typeface="Noto Sans"/>
+              <a:cs typeface="Noto Sans"/>
+            </a:endParaRPr>
+          </a:p>
+          <a:p>
+            <a:pPr marL="12065">
+              <a:lnSpc>
+                <a:spcPct val="100000"/>
+              </a:lnSpc>
+              <a:spcBef>
+                <a:spcPts val="100"/>
+              </a:spcBef>
+              <a:tabLst>
+                <a:tab pos="379095" algn="l"/>
+                <a:tab pos="379730" algn="l"/>
+              </a:tabLst>
+            </a:pPr>
+            <a:endParaRPr b="1" spc="-5" dirty="0">
+              <a:solidFill>
+                <a:srgbClr val="695D46"/>
+              </a:solidFill>
+              <a:latin typeface="Noto Sans"/>
+              <a:cs typeface="Noto Sans"/>
+            </a:endParaRPr>
+          </a:p>
+          <a:p>
+            <a:pPr marL="379095" indent="-367030">
+              <a:lnSpc>
+                <a:spcPct val="100000"/>
+              </a:lnSpc>
+              <a:buFont typeface="Arial"/>
+              <a:buChar char="●"/>
+              <a:tabLst>
+                <a:tab pos="379095" algn="l"/>
+                <a:tab pos="379730" algn="l"/>
+              </a:tabLst>
+            </a:pPr>
+            <a:r>
+              <a:rPr lang="en-US" b="1" spc="-5" dirty="0">
+                <a:solidFill>
+                  <a:srgbClr val="695D46"/>
+                </a:solidFill>
+                <a:latin typeface="Noto Sans"/>
+                <a:cs typeface="Noto Sans"/>
+              </a:rPr>
+              <a:t>Link:</a:t>
+            </a:r>
+          </a:p>
+          <a:p>
+            <a:pPr marL="12065">
+              <a:lnSpc>
+                <a:spcPct val="100000"/>
+              </a:lnSpc>
+              <a:tabLst>
+                <a:tab pos="379095" algn="l"/>
+                <a:tab pos="379730" algn="l"/>
+              </a:tabLst>
+            </a:pPr>
+            <a:r>
+              <a:rPr lang="en-US" dirty="0">
+                <a:latin typeface="Noto Sans"/>
+                <a:cs typeface="Noto Sans"/>
+              </a:rPr>
+              <a:t>https://drive.google.com/drive/folders/1FUTkr2j3w9mc_fK31MCanEVWB_xXjKyc?usp=sharing</a:t>
+            </a:r>
+            <a:endParaRPr sz="1800" dirty="0">
+              <a:latin typeface="Noto Sans"/>
+              <a:cs typeface="Noto Sans"/>
+            </a:endParaRPr>
+          </a:p>
+        </p:txBody>
+      </p:sp>
+    </p:spTree>
+    <p:extLst>
+      <p:ext uri="{BB962C8B-B14F-4D97-AF65-F5344CB8AC3E}">
+        <p14:creationId xmlns:p14="http://schemas.microsoft.com/office/powerpoint/2010/main" val="1060022803"/>
+      </p:ext>
+    </p:extLst>
+  </p:cSld>
+  <p:clrMapOvr>
+    <a:masterClrMapping/>
+  </p:clrMapOvr>
+  <p:timing>
+    <p:tnLst>
+      <p:par>
+        <p:cTn id="1" dur="indefinite" restart="never" nodeType="tmRoot"/>
+      </p:par>
+    </p:tnLst>
+  </p:timing>
+</p:sld>
+</file>
+
 <file path=ppt/slides/slide2.xml><?xml version="1.0" encoding="utf-8"?>
 <p:sld xmlns:a="http://schemas.openxmlformats.org/drawingml/2006/main" xmlns:r="http://schemas.openxmlformats.org/officeDocument/2006/relationships" xmlns:p="http://schemas.openxmlformats.org/presentationml/2006/main">
   <p:cSld>
@@ -5270,7 +5587,27 @@
                 <a:latin typeface="Adobe 繁黑體 Std B" panose="020B0700000000000000" pitchFamily="34" charset="-120"/>
                 <a:ea typeface="Adobe 繁黑體 Std B" panose="020B0700000000000000" pitchFamily="34" charset="-120"/>
               </a:rPr>
-              <a:t>務必放在同一的資料夾內</a:t>
+              <a:t>務必放在同</a:t>
+            </a:r>
+            <a:r>
+              <a:rPr lang="zh-TW" altLang="en-US" dirty="0" smtClean="0">
+                <a:solidFill>
+                  <a:srgbClr val="FF0000"/>
+                </a:solidFill>
+                <a:latin typeface="Adobe 繁黑體 Std B" panose="020B0700000000000000" pitchFamily="34" charset="-120"/>
+                <a:ea typeface="Adobe 繁黑體 Std B" panose="020B0700000000000000" pitchFamily="34" charset="-120"/>
+              </a:rPr>
+              <a:t>一資</a:t>
+            </a:r>
+            <a:r>
+              <a:rPr lang="zh-TW" altLang="en-US" dirty="0" smtClean="0">
+                <a:solidFill>
+                  <a:srgbClr val="FF0000"/>
+                </a:solidFill>
+                <a:latin typeface="Adobe 繁黑體 Std B" panose="020B0700000000000000" pitchFamily="34" charset="-120"/>
+                <a:ea typeface="Adobe 繁黑體 Std B" panose="020B0700000000000000" pitchFamily="34" charset="-120"/>
+              </a:rPr>
+              <a:t>料夾內</a:t>
             </a:r>
             <a:endParaRPr lang="zh-TW" altLang="en-US" dirty="0">
               <a:solidFill>

--- a/Final_Project_intro.pptx
+++ b/Final_Project_intro.pptx
@@ -537,7 +537,7 @@
           <a:p>
             <a:fld id="{1D8BD707-D9CF-40AE-B4C6-C98DA3205C09}" type="datetimeFigureOut">
               <a:rPr lang="en-US"/>
-              <a:t>12/25/2020</a:t>
+              <a:t>12/26/2020</a:t>
             </a:fld>
             <a:endParaRPr lang="en-US"/>
           </a:p>
@@ -714,7 +714,7 @@
           <a:p>
             <a:fld id="{1D8BD707-D9CF-40AE-B4C6-C98DA3205C09}" type="datetimeFigureOut">
               <a:rPr lang="en-US"/>
-              <a:t>12/25/2020</a:t>
+              <a:t>12/26/2020</a:t>
             </a:fld>
             <a:endParaRPr lang="en-US"/>
           </a:p>
@@ -928,7 +928,7 @@
           <a:p>
             <a:fld id="{1D8BD707-D9CF-40AE-B4C6-C98DA3205C09}" type="datetimeFigureOut">
               <a:rPr lang="en-US"/>
-              <a:t>12/25/2020</a:t>
+              <a:t>12/26/2020</a:t>
             </a:fld>
             <a:endParaRPr lang="en-US"/>
           </a:p>
@@ -1076,7 +1076,7 @@
           <a:p>
             <a:fld id="{1D8BD707-D9CF-40AE-B4C6-C98DA3205C09}" type="datetimeFigureOut">
               <a:rPr lang="en-US"/>
-              <a:t>12/25/2020</a:t>
+              <a:t>12/26/2020</a:t>
             </a:fld>
             <a:endParaRPr lang="en-US"/>
           </a:p>
@@ -1195,7 +1195,7 @@
           <a:p>
             <a:fld id="{1D8BD707-D9CF-40AE-B4C6-C98DA3205C09}" type="datetimeFigureOut">
               <a:rPr lang="en-US"/>
-              <a:t>12/25/2020</a:t>
+              <a:t>12/26/2020</a:t>
             </a:fld>
             <a:endParaRPr lang="en-US"/>
           </a:p>
@@ -1470,7 +1470,7 @@
           <a:p>
             <a:fld id="{1D8BD707-D9CF-40AE-B4C6-C98DA3205C09}" type="datetimeFigureOut">
               <a:rPr lang="en-US"/>
-              <a:t>12/25/2020</a:t>
+              <a:t>12/26/2020</a:t>
             </a:fld>
             <a:endParaRPr lang="en-US"/>
           </a:p>
@@ -3750,7 +3750,7 @@
         <p:spPr>
           <a:xfrm>
             <a:off x="475248" y="1276161"/>
-            <a:ext cx="8079740" cy="2628027"/>
+            <a:ext cx="8079740" cy="2306401"/>
           </a:xfrm>
           <a:prstGeom prst="rect">
             <a:avLst/>
@@ -3894,12 +3894,79 @@
                 <a:latin typeface="Noto Sans"/>
                 <a:cs typeface="Noto Sans"/>
               </a:rPr>
-              <a:t>“exam.csv” to test accuracy</a:t>
-            </a:r>
-            <a:endParaRPr lang="en-US" sz="1400" b="1" spc="-5" dirty="0" smtClean="0">
+              <a:t>“exam.csv” to test </a:t>
+            </a:r>
+            <a:r>
+              <a:rPr lang="en-US" altLang="zh-TW" sz="1400" b="1" spc="-5" dirty="0" smtClean="0">
+                <a:solidFill>
+                  <a:srgbClr val="695D46"/>
+                </a:solidFill>
+                <a:latin typeface="Noto Sans"/>
+                <a:cs typeface="Noto Sans"/>
+              </a:rPr>
+              <a:t>accuracy</a:t>
+            </a:r>
+            <a:endParaRPr lang="en-US" altLang="zh-TW" sz="1400" b="1" spc="-5" dirty="0">
               <a:solidFill>
                 <a:srgbClr val="695D46"/>
               </a:solidFill>
+              <a:latin typeface="Noto Sans"/>
+              <a:cs typeface="Noto Sans"/>
+            </a:endParaRPr>
+          </a:p>
+          <a:p>
+            <a:pPr marL="328295" indent="-285750">
+              <a:spcBef>
+                <a:spcPts val="270"/>
+              </a:spcBef>
+              <a:buFont typeface="Wingdings" panose="05000000000000000000" pitchFamily="2" charset="2"/>
+              <a:buChar char="n"/>
+              <a:tabLst>
+                <a:tab pos="1293495" algn="l"/>
+                <a:tab pos="1294130" algn="l"/>
+              </a:tabLst>
+            </a:pPr>
+            <a:r>
+              <a:rPr b="1" spc="-5" dirty="0" smtClean="0">
+                <a:solidFill>
+                  <a:srgbClr val="695D46"/>
+                </a:solidFill>
+                <a:latin typeface="Noto Sans"/>
+                <a:cs typeface="Noto Sans"/>
+              </a:rPr>
+              <a:t>Output</a:t>
+            </a:r>
+            <a:endParaRPr dirty="0">
+              <a:latin typeface="Noto Sans"/>
+              <a:cs typeface="Noto Sans"/>
+            </a:endParaRPr>
+          </a:p>
+          <a:p>
+            <a:pPr marL="836294" lvl="1" indent="-336550">
+              <a:lnSpc>
+                <a:spcPct val="100000"/>
+              </a:lnSpc>
+              <a:spcBef>
+                <a:spcPts val="330"/>
+              </a:spcBef>
+              <a:buFont typeface="Arial"/>
+              <a:buChar char="○"/>
+              <a:tabLst>
+                <a:tab pos="836294" algn="l"/>
+                <a:tab pos="836930" algn="l"/>
+              </a:tabLst>
+            </a:pPr>
+            <a:r>
+              <a:rPr sz="1400" b="1" spc="-5" dirty="0">
+                <a:solidFill>
+                  <a:srgbClr val="695D46"/>
+                </a:solidFill>
+                <a:latin typeface="Noto Sans"/>
+                <a:cs typeface="Noto Sans"/>
+              </a:rPr>
+              <a:t>csv</a:t>
+            </a:r>
+            <a:endParaRPr sz="1400" dirty="0">
               <a:latin typeface="Noto Sans"/>
               <a:cs typeface="Noto Sans"/>
             </a:endParaRPr>
@@ -3920,66 +3987,6 @@
               </a:tabLst>
             </a:pPr>
             <a:r>
-              <a:rPr sz="1800" b="1" spc="-5" dirty="0" smtClean="0">
-                <a:solidFill>
-                  <a:srgbClr val="695D46"/>
-                </a:solidFill>
-                <a:latin typeface="Noto Sans"/>
-                <a:cs typeface="Noto Sans"/>
-              </a:rPr>
-              <a:t>Output</a:t>
-            </a:r>
-            <a:endParaRPr sz="1800" dirty="0">
-              <a:latin typeface="Noto Sans"/>
-              <a:cs typeface="Noto Sans"/>
-            </a:endParaRPr>
-          </a:p>
-          <a:p>
-            <a:pPr marL="836294" lvl="1" indent="-336550">
-              <a:lnSpc>
-                <a:spcPct val="100000"/>
-              </a:lnSpc>
-              <a:spcBef>
-                <a:spcPts val="330"/>
-              </a:spcBef>
-              <a:buFont typeface="Arial"/>
-              <a:buChar char="○"/>
-              <a:tabLst>
-                <a:tab pos="836294" algn="l"/>
-                <a:tab pos="836930" algn="l"/>
-              </a:tabLst>
-            </a:pPr>
-            <a:r>
-              <a:rPr sz="1400" b="1" spc="-5" dirty="0">
-                <a:solidFill>
-                  <a:srgbClr val="695D46"/>
-                </a:solidFill>
-                <a:latin typeface="Noto Sans"/>
-                <a:cs typeface="Noto Sans"/>
-              </a:rPr>
-              <a:t>csv</a:t>
-            </a:r>
-            <a:endParaRPr sz="1400" dirty="0">
-              <a:latin typeface="Noto Sans"/>
-              <a:cs typeface="Noto Sans"/>
-            </a:endParaRPr>
-          </a:p>
-          <a:p>
-            <a:pPr marL="1293495" lvl="2" indent="-336550">
-              <a:lnSpc>
-                <a:spcPct val="100000"/>
-              </a:lnSpc>
-              <a:spcBef>
-                <a:spcPts val="270"/>
-              </a:spcBef>
-              <a:buFont typeface="Arial"/>
-              <a:buChar char="■"/>
-              <a:tabLst>
-                <a:tab pos="1293495" algn="l"/>
-                <a:tab pos="1294130" algn="l"/>
-              </a:tabLst>
-            </a:pPr>
-            <a:r>
               <a:rPr sz="1400" b="1" spc="-5" dirty="0">
                 <a:solidFill>
                   <a:srgbClr val="695D46"/>
@@ -4019,26 +4026,22 @@
                 <a:tab pos="379730" algn="l"/>
               </a:tabLst>
             </a:pPr>
-            <a:r>
-              <a:rPr sz="1800" b="1" spc="-5" dirty="0">
-                <a:solidFill>
-                  <a:srgbClr val="695D46"/>
-                </a:solidFill>
-                <a:latin typeface="Noto Sans"/>
-                <a:cs typeface="Noto Sans"/>
-              </a:rPr>
-              <a:t>Report.</a:t>
-            </a:r>
-            <a:endParaRPr sz="1800" dirty="0">
+            <a:endParaRPr lang="en-US" sz="1800" b="1" spc="-5" dirty="0" smtClean="0">
+              <a:solidFill>
+                <a:srgbClr val="695D46"/>
+              </a:solidFill>
               <a:latin typeface="Noto Sans"/>
               <a:cs typeface="Noto Sans"/>
             </a:endParaRPr>
           </a:p>
           <a:p>
-            <a:pPr marL="379095" marR="5080" indent="-367030">
-              <a:lnSpc>
-                <a:spcPct val="114599"/>
-              </a:lnSpc>
+            <a:pPr marL="379095" indent="-367030">
+              <a:lnSpc>
+                <a:spcPct val="100000"/>
+              </a:lnSpc>
+              <a:spcBef>
+                <a:spcPts val="254"/>
+              </a:spcBef>
               <a:buFont typeface="Arial"/>
               <a:buChar char="●"/>
               <a:tabLst>
@@ -4054,87 +4057,7 @@
                 <a:latin typeface="Noto Sans"/>
                 <a:cs typeface="Noto Sans"/>
               </a:rPr>
-              <a:t>You </a:t>
-            </a:r>
-            <a:r>
-              <a:rPr sz="1800" b="1" dirty="0">
-                <a:solidFill>
-                  <a:srgbClr val="695D46"/>
-                </a:solidFill>
-                <a:latin typeface="Noto Sans"/>
-                <a:cs typeface="Noto Sans"/>
-              </a:rPr>
-              <a:t>are also </a:t>
-            </a:r>
-            <a:r>
-              <a:rPr sz="1800" b="1" spc="-20" dirty="0">
-                <a:solidFill>
-                  <a:srgbClr val="695D46"/>
-                </a:solidFill>
-                <a:latin typeface="Noto Sans"/>
-                <a:cs typeface="Noto Sans"/>
-              </a:rPr>
-              <a:t>encouraged </a:t>
-            </a:r>
-            <a:r>
-              <a:rPr sz="1800" b="1" spc="-5" dirty="0">
-                <a:solidFill>
-                  <a:srgbClr val="695D46"/>
-                </a:solidFill>
-                <a:latin typeface="Noto Sans"/>
-                <a:cs typeface="Noto Sans"/>
-              </a:rPr>
-              <a:t>to implement data </a:t>
-            </a:r>
-            <a:r>
-              <a:rPr sz="1800" b="1" spc="-10" dirty="0">
-                <a:solidFill>
-                  <a:srgbClr val="695D46"/>
-                </a:solidFill>
-                <a:latin typeface="Noto Sans"/>
-                <a:cs typeface="Noto Sans"/>
-              </a:rPr>
-              <a:t>argumentation </a:t>
-            </a:r>
-            <a:r>
-              <a:rPr sz="1800" b="1" spc="-5" dirty="0">
-                <a:solidFill>
-                  <a:srgbClr val="695D46"/>
-                </a:solidFill>
-                <a:latin typeface="Noto Sans"/>
-                <a:cs typeface="Noto Sans"/>
-              </a:rPr>
-              <a:t>by your  </a:t>
-            </a:r>
-            <a:r>
-              <a:rPr sz="1800" b="1" spc="-30" dirty="0">
-                <a:solidFill>
-                  <a:srgbClr val="695D46"/>
-                </a:solidFill>
-                <a:latin typeface="Noto Sans"/>
-                <a:cs typeface="Noto Sans"/>
-              </a:rPr>
-              <a:t>generating</a:t>
-            </a:r>
-            <a:r>
-              <a:rPr sz="1800" b="1" spc="-10" dirty="0">
-                <a:solidFill>
-                  <a:srgbClr val="695D46"/>
-                </a:solidFill>
-                <a:latin typeface="Noto Sans"/>
-                <a:cs typeface="Noto Sans"/>
-              </a:rPr>
-              <a:t> </a:t>
-            </a:r>
-            <a:r>
-              <a:rPr sz="1800" b="1" spc="-5" dirty="0">
-                <a:solidFill>
-                  <a:srgbClr val="695D46"/>
-                </a:solidFill>
-                <a:latin typeface="Noto Sans"/>
-                <a:cs typeface="Noto Sans"/>
-              </a:rPr>
-              <a:t>data.</a:t>
+              <a:t>Report.</a:t>
             </a:r>
             <a:endParaRPr sz="1800" dirty="0">
               <a:latin typeface="Noto Sans"/>
@@ -4859,6 +4782,16 @@
               <a:t>Each team should make a presentation less than </a:t>
             </a:r>
             <a:r>
+              <a:rPr lang="zh-TW" altLang="en-US" spc="-15" dirty="0" smtClean="0">
+                <a:solidFill>
+                  <a:srgbClr val="695D46"/>
+                </a:solidFill>
+                <a:latin typeface="Noto Sans"/>
+                <a:cs typeface="Noto Sans"/>
+              </a:rPr>
+              <a:t>             </a:t>
+            </a:r>
+            <a:r>
               <a:rPr lang="en-US" altLang="zh-TW" spc="-15" dirty="0" smtClean="0">
                 <a:solidFill>
                   <a:srgbClr val="FF0000"/>
@@ -4876,7 +4809,17 @@
                 <a:latin typeface="Noto Sans"/>
                 <a:cs typeface="Noto Sans"/>
               </a:rPr>
-              <a:t> minutes</a:t>
+              <a:t> </a:t>
+            </a:r>
+            <a:r>
+              <a:rPr lang="en-US" spc="-15" dirty="0" smtClean="0">
+                <a:solidFill>
+                  <a:srgbClr val="FF0000"/>
+                </a:solidFill>
+                <a:latin typeface="Noto Sans"/>
+                <a:cs typeface="Noto Sans"/>
+              </a:rPr>
+              <a:t>minutes</a:t>
             </a:r>
             <a:r>
               <a:rPr lang="en-US" spc="-15" dirty="0" smtClean="0">
@@ -5587,27 +5530,7 @@
                 <a:latin typeface="Adobe 繁黑體 Std B" panose="020B0700000000000000" pitchFamily="34" charset="-120"/>
                 <a:ea typeface="Adobe 繁黑體 Std B" panose="020B0700000000000000" pitchFamily="34" charset="-120"/>
               </a:rPr>
-              <a:t>務必放在同</a:t>
-            </a:r>
-            <a:r>
-              <a:rPr lang="zh-TW" altLang="en-US" dirty="0" smtClean="0">
-                <a:solidFill>
-                  <a:srgbClr val="FF0000"/>
-                </a:solidFill>
-                <a:latin typeface="Adobe 繁黑體 Std B" panose="020B0700000000000000" pitchFamily="34" charset="-120"/>
-                <a:ea typeface="Adobe 繁黑體 Std B" panose="020B0700000000000000" pitchFamily="34" charset="-120"/>
-              </a:rPr>
-              <a:t>一資</a:t>
-            </a:r>
-            <a:r>
-              <a:rPr lang="zh-TW" altLang="en-US" dirty="0" smtClean="0">
-                <a:solidFill>
-                  <a:srgbClr val="FF0000"/>
-                </a:solidFill>
-                <a:latin typeface="Adobe 繁黑體 Std B" panose="020B0700000000000000" pitchFamily="34" charset="-120"/>
-                <a:ea typeface="Adobe 繁黑體 Std B" panose="020B0700000000000000" pitchFamily="34" charset="-120"/>
-              </a:rPr>
-              <a:t>料夾內</a:t>
+              <a:t>務必放在同一資料夾內</a:t>
             </a:r>
             <a:endParaRPr lang="zh-TW" altLang="en-US" dirty="0">
               <a:solidFill>
